--- a/lesson05.pptx
+++ b/lesson05.pptx
@@ -5,7 +5,7 @@
     <p:sldMasterId id="2147483648" r:id="rId1"/>
   </p:sldMasterIdLst>
   <p:notesMasterIdLst>
-    <p:notesMasterId r:id="rId52"/>
+    <p:notesMasterId r:id="rId49"/>
   </p:notesMasterIdLst>
   <p:sldIdLst>
     <p:sldId id="496" r:id="rId2"/>
@@ -42,22 +42,19 @@
     <p:sldId id="513" r:id="rId33"/>
     <p:sldId id="514" r:id="rId34"/>
     <p:sldId id="515" r:id="rId35"/>
-    <p:sldId id="516" r:id="rId36"/>
-    <p:sldId id="517" r:id="rId37"/>
-    <p:sldId id="518" r:id="rId38"/>
-    <p:sldId id="519" r:id="rId39"/>
-    <p:sldId id="474" r:id="rId40"/>
-    <p:sldId id="475" r:id="rId41"/>
-    <p:sldId id="476" r:id="rId42"/>
-    <p:sldId id="521" r:id="rId43"/>
-    <p:sldId id="526" r:id="rId44"/>
-    <p:sldId id="529" r:id="rId45"/>
-    <p:sldId id="531" r:id="rId46"/>
-    <p:sldId id="523" r:id="rId47"/>
-    <p:sldId id="524" r:id="rId48"/>
-    <p:sldId id="525" r:id="rId49"/>
-    <p:sldId id="528" r:id="rId50"/>
-    <p:sldId id="527" r:id="rId51"/>
+    <p:sldId id="519" r:id="rId36"/>
+    <p:sldId id="474" r:id="rId37"/>
+    <p:sldId id="475" r:id="rId38"/>
+    <p:sldId id="476" r:id="rId39"/>
+    <p:sldId id="521" r:id="rId40"/>
+    <p:sldId id="526" r:id="rId41"/>
+    <p:sldId id="529" r:id="rId42"/>
+    <p:sldId id="531" r:id="rId43"/>
+    <p:sldId id="523" r:id="rId44"/>
+    <p:sldId id="524" r:id="rId45"/>
+    <p:sldId id="525" r:id="rId46"/>
+    <p:sldId id="528" r:id="rId47"/>
+    <p:sldId id="527" r:id="rId48"/>
   </p:sldIdLst>
   <p:sldSz cx="12192000" cy="6858000"/>
   <p:notesSz cx="6858000" cy="9144000"/>
@@ -187,8 +184,8 @@
 <pc:chgInfo xmlns:a="http://schemas.openxmlformats.org/drawingml/2006/main" xmlns:r="http://schemas.openxmlformats.org/officeDocument/2006/relationships" xmlns:ac="http://schemas.microsoft.com/office/drawing/2013/main/command" xmlns:pc="http://schemas.microsoft.com/office/powerpoint/2013/main/command">
   <pc:docChgLst>
     <pc:chgData name="Anatoliy Kigel" userId="7432c6c4687b0a9c" providerId="LiveId" clId="{847BB01A-A476-47BC-91DF-1E44C740529E}"/>
-    <pc:docChg chg="custSel addSld delSld modSld">
-      <pc:chgData name="Anatoliy Kigel" userId="7432c6c4687b0a9c" providerId="LiveId" clId="{847BB01A-A476-47BC-91DF-1E44C740529E}" dt="2021-06-07T06:52:04.271" v="224" actId="47"/>
+    <pc:docChg chg="undo custSel addSld delSld modSld">
+      <pc:chgData name="Anatoliy Kigel" userId="7432c6c4687b0a9c" providerId="LiveId" clId="{847BB01A-A476-47BC-91DF-1E44C740529E}" dt="2021-06-10T20:52:11.724" v="254" actId="20577"/>
       <pc:docMkLst>
         <pc:docMk/>
       </pc:docMkLst>
@@ -245,6 +242,58 @@
           <ac:spMkLst>
             <pc:docMk/>
             <pc:sldMk cId="899785685" sldId="474"/>
+            <ac:spMk id="5" creationId="{00000000-0000-0000-0000-000000000000}"/>
+          </ac:spMkLst>
+        </pc:spChg>
+      </pc:sldChg>
+      <pc:sldChg chg="del">
+        <pc:chgData name="Anatoliy Kigel" userId="7432c6c4687b0a9c" providerId="LiveId" clId="{847BB01A-A476-47BC-91DF-1E44C740529E}" dt="2021-06-10T20:50:10.936" v="225" actId="47"/>
+        <pc:sldMkLst>
+          <pc:docMk/>
+          <pc:sldMk cId="3720006240" sldId="516"/>
+        </pc:sldMkLst>
+      </pc:sldChg>
+      <pc:sldChg chg="del">
+        <pc:chgData name="Anatoliy Kigel" userId="7432c6c4687b0a9c" providerId="LiveId" clId="{847BB01A-A476-47BC-91DF-1E44C740529E}" dt="2021-06-10T20:50:10.936" v="225" actId="47"/>
+        <pc:sldMkLst>
+          <pc:docMk/>
+          <pc:sldMk cId="503710912" sldId="517"/>
+        </pc:sldMkLst>
+      </pc:sldChg>
+      <pc:sldChg chg="del">
+        <pc:chgData name="Anatoliy Kigel" userId="7432c6c4687b0a9c" providerId="LiveId" clId="{847BB01A-A476-47BC-91DF-1E44C740529E}" dt="2021-06-10T20:50:10.936" v="225" actId="47"/>
+        <pc:sldMkLst>
+          <pc:docMk/>
+          <pc:sldMk cId="1302747808" sldId="518"/>
+        </pc:sldMkLst>
+      </pc:sldChg>
+      <pc:sldChg chg="delSp modSp mod">
+        <pc:chgData name="Anatoliy Kigel" userId="7432c6c4687b0a9c" providerId="LiveId" clId="{847BB01A-A476-47BC-91DF-1E44C740529E}" dt="2021-06-10T20:52:11.724" v="254" actId="20577"/>
+        <pc:sldMkLst>
+          <pc:docMk/>
+          <pc:sldMk cId="1506378298" sldId="528"/>
+        </pc:sldMkLst>
+        <pc:spChg chg="mod">
+          <ac:chgData name="Anatoliy Kigel" userId="7432c6c4687b0a9c" providerId="LiveId" clId="{847BB01A-A476-47BC-91DF-1E44C740529E}" dt="2021-06-10T20:52:04.514" v="249" actId="20577"/>
+          <ac:spMkLst>
+            <pc:docMk/>
+            <pc:sldMk cId="1506378298" sldId="528"/>
+            <ac:spMk id="2" creationId="{00000000-0000-0000-0000-000000000000}"/>
+          </ac:spMkLst>
+        </pc:spChg>
+        <pc:spChg chg="mod">
+          <ac:chgData name="Anatoliy Kigel" userId="7432c6c4687b0a9c" providerId="LiveId" clId="{847BB01A-A476-47BC-91DF-1E44C740529E}" dt="2021-06-10T20:52:11.724" v="254" actId="20577"/>
+          <ac:spMkLst>
+            <pc:docMk/>
+            <pc:sldMk cId="1506378298" sldId="528"/>
+            <ac:spMk id="4" creationId="{00000000-0000-0000-0000-000000000000}"/>
+          </ac:spMkLst>
+        </pc:spChg>
+        <pc:spChg chg="del">
+          <ac:chgData name="Anatoliy Kigel" userId="7432c6c4687b0a9c" providerId="LiveId" clId="{847BB01A-A476-47BC-91DF-1E44C740529E}" dt="2021-06-10T20:51:33.139" v="226" actId="478"/>
+          <ac:spMkLst>
+            <pc:docMk/>
+            <pc:sldMk cId="1506378298" sldId="528"/>
             <ac:spMk id="5" creationId="{00000000-0000-0000-0000-000000000000}"/>
           </ac:spMkLst>
         </pc:spChg>
@@ -950,7 +999,7 @@
             <a:fld id="{85522811-C5C6-42D2-A409-F8556720C93F}" type="datetimeFigureOut">
               <a:rPr lang="uk-UA" smtClean="0"/>
               <a:pPr/>
-              <a:t>07.06.2021</a:t>
+              <a:t>10.06.2021</a:t>
             </a:fld>
             <a:endParaRPr lang="uk-UA"/>
           </a:p>
@@ -1490,7 +1539,7 @@
             <a:fld id="{E6FC6B0D-6115-4D7C-8040-9C8E2349BB6E}" type="datetime1">
               <a:rPr lang="uk-UA" smtClean="0"/>
               <a:pPr/>
-              <a:t>07.06.2021</a:t>
+              <a:t>10.06.2021</a:t>
             </a:fld>
             <a:endParaRPr lang="uk-UA"/>
           </a:p>
@@ -1657,7 +1706,7 @@
             <a:fld id="{996367BA-0A39-4DE2-BFC3-D5290044365E}" type="datetime1">
               <a:rPr lang="uk-UA" smtClean="0"/>
               <a:pPr/>
-              <a:t>07.06.2021</a:t>
+              <a:t>10.06.2021</a:t>
             </a:fld>
             <a:endParaRPr lang="uk-UA"/>
           </a:p>
@@ -1834,7 +1883,7 @@
             <a:fld id="{1BD6A67F-6C29-47DC-AF8A-FDB3C787DF70}" type="datetime1">
               <a:rPr lang="uk-UA" smtClean="0"/>
               <a:pPr/>
-              <a:t>07.06.2021</a:t>
+              <a:t>10.06.2021</a:t>
             </a:fld>
             <a:endParaRPr lang="uk-UA"/>
           </a:p>
@@ -2001,7 +2050,7 @@
             <a:fld id="{1657D9C5-7FF1-434F-B56E-9BAD559744E9}" type="datetime1">
               <a:rPr lang="uk-UA" smtClean="0"/>
               <a:pPr/>
-              <a:t>07.06.2021</a:t>
+              <a:t>10.06.2021</a:t>
             </a:fld>
             <a:endParaRPr lang="uk-UA"/>
           </a:p>
@@ -2244,7 +2293,7 @@
             <a:fld id="{2CEB0FC9-DE63-476B-A1A9-BE934D9049F8}" type="datetime1">
               <a:rPr lang="uk-UA" smtClean="0"/>
               <a:pPr/>
-              <a:t>07.06.2021</a:t>
+              <a:t>10.06.2021</a:t>
             </a:fld>
             <a:endParaRPr lang="uk-UA"/>
           </a:p>
@@ -2529,7 +2578,7 @@
             <a:fld id="{F964460F-86E2-4DF6-9D0F-12F5005CF375}" type="datetime1">
               <a:rPr lang="uk-UA" smtClean="0"/>
               <a:pPr/>
-              <a:t>07.06.2021</a:t>
+              <a:t>10.06.2021</a:t>
             </a:fld>
             <a:endParaRPr lang="uk-UA"/>
           </a:p>
@@ -2948,7 +2997,7 @@
             <a:fld id="{C521715E-DDCD-4267-B0A5-2918B6F6768A}" type="datetime1">
               <a:rPr lang="uk-UA" smtClean="0"/>
               <a:pPr/>
-              <a:t>07.06.2021</a:t>
+              <a:t>10.06.2021</a:t>
             </a:fld>
             <a:endParaRPr lang="uk-UA"/>
           </a:p>
@@ -3063,7 +3112,7 @@
             <a:fld id="{9289842C-EB2D-4EBB-A272-2F6A49D9794D}" type="datetime1">
               <a:rPr lang="uk-UA" smtClean="0"/>
               <a:pPr/>
-              <a:t>07.06.2021</a:t>
+              <a:t>10.06.2021</a:t>
             </a:fld>
             <a:endParaRPr lang="uk-UA"/>
           </a:p>
@@ -3155,7 +3204,7 @@
             <a:fld id="{D036F091-B700-4B52-99AC-85D0FD94D904}" type="datetime1">
               <a:rPr lang="uk-UA" smtClean="0"/>
               <a:pPr/>
-              <a:t>07.06.2021</a:t>
+              <a:t>10.06.2021</a:t>
             </a:fld>
             <a:endParaRPr lang="uk-UA"/>
           </a:p>
@@ -3429,7 +3478,7 @@
             <a:fld id="{B35DFABA-3811-4634-B803-2EAC4CD0063B}" type="datetime1">
               <a:rPr lang="uk-UA" smtClean="0"/>
               <a:pPr/>
-              <a:t>07.06.2021</a:t>
+              <a:t>10.06.2021</a:t>
             </a:fld>
             <a:endParaRPr lang="uk-UA"/>
           </a:p>
@@ -3679,7 +3728,7 @@
             <a:fld id="{8A9EA25E-F88E-463A-A119-D1E55A881002}" type="datetime1">
               <a:rPr lang="uk-UA" smtClean="0"/>
               <a:pPr/>
-              <a:t>07.06.2021</a:t>
+              <a:t>10.06.2021</a:t>
             </a:fld>
             <a:endParaRPr lang="uk-UA"/>
           </a:p>
@@ -3889,7 +3938,7 @@
             <a:fld id="{E708ED03-0080-49A2-B709-7DA4ACB3A1C3}" type="datetime1">
               <a:rPr lang="uk-UA" smtClean="0"/>
               <a:pPr/>
-              <a:t>07.06.2021</a:t>
+              <a:t>10.06.2021</a:t>
             </a:fld>
             <a:endParaRPr lang="uk-UA"/>
           </a:p>
@@ -11909,7 +11958,7 @@
         </p:nvSpPr>
         <p:spPr>
           <a:xfrm>
-            <a:off x="11147226" y="6093296"/>
+            <a:off x="11208568" y="6174801"/>
             <a:ext cx="648072" cy="432048"/>
           </a:xfrm>
           <a:prstGeom prst="roundRect">
@@ -11977,8 +12026,8 @@
         </p:nvSpPr>
         <p:spPr>
           <a:xfrm>
-            <a:off x="6470104" y="2591033"/>
-            <a:ext cx="4691186" cy="2062103"/>
+            <a:off x="0" y="1700808"/>
+            <a:ext cx="12192000" cy="2185214"/>
           </a:xfrm>
           <a:prstGeom prst="rect">
             <a:avLst/>
@@ -11991,19 +12040,60 @@
           </a:bodyPr>
           <a:lstStyle/>
           <a:p>
-            <a:r>
-              <a:rPr lang="en-US" sz="3200" b="1" dirty="0" err="1"/>
-              <a:t>window.location</a:t>
-            </a:r>
-            <a:r>
-              <a:rPr lang="ru-RU" sz="3200" dirty="0"/>
-              <a:t> – свойство определяющее какую страницу содержит окно браузера.</a:t>
-            </a:r>
-            <a:r>
-              <a:rPr lang="en-US" sz="3200" dirty="0"/>
+            <a:pPr algn="ctr"/>
+            <a:r>
+              <a:rPr lang="en-US" sz="4800" b="1" dirty="0" err="1">
+                <a:solidFill>
+                  <a:srgbClr val="0070C0"/>
+                </a:solidFill>
+              </a:rPr>
+              <a:t>window.</a:t>
+            </a:r>
+            <a:r>
+              <a:rPr lang="en-US" sz="4800" b="1" dirty="0" err="1">
+                <a:solidFill>
+                  <a:schemeClr val="accent6">
+                    <a:lumMod val="75000"/>
+                  </a:schemeClr>
+                </a:solidFill>
+              </a:rPr>
+              <a:t>document</a:t>
+            </a:r>
+            <a:r>
+              <a:rPr lang="ru-RU" sz="4800" dirty="0"/>
               <a:t> </a:t>
             </a:r>
-            <a:endParaRPr lang="ru-RU" sz="3200" b="1" dirty="0"/>
+          </a:p>
+          <a:p>
+            <a:pPr algn="ctr"/>
+            <a:r>
+              <a:rPr lang="ru-RU" sz="4000" i="1" dirty="0"/>
+              <a:t>(корень </a:t>
+            </a:r>
+            <a:r>
+              <a:rPr lang="en-US" sz="4000" i="1" dirty="0"/>
+              <a:t>DOM-</a:t>
+            </a:r>
+            <a:r>
+              <a:rPr lang="ru-RU" sz="4000" i="1" dirty="0"/>
+              <a:t>дерева)</a:t>
+            </a:r>
+          </a:p>
+          <a:p>
+            <a:pPr algn="ctr"/>
+            <a:r>
+              <a:rPr lang="ru-RU" sz="4800" dirty="0"/>
+              <a:t>хранилище </a:t>
+            </a:r>
+            <a:r>
+              <a:rPr lang="en-US" sz="4800" dirty="0"/>
+              <a:t>HTML-</a:t>
+            </a:r>
+            <a:r>
+              <a:rPr lang="ru-RU" sz="4800" dirty="0"/>
+              <a:t>документа</a:t>
+            </a:r>
+            <a:endParaRPr lang="ru-RU" sz="4800" b="1" dirty="0"/>
           </a:p>
         </p:txBody>
       </p:sp>
@@ -12033,42 +12123,6 @@
           </a:p>
         </p:txBody>
       </p:sp>
-      <p:pic>
-        <p:nvPicPr>
-          <p:cNvPr id="3" name="Рисунок 2"/>
-          <p:cNvPicPr>
-            <a:picLocks noChangeAspect="1"/>
-          </p:cNvPicPr>
-          <p:nvPr/>
-        </p:nvPicPr>
-        <p:blipFill>
-          <a:blip r:embed="rId2"/>
-          <a:stretch>
-            <a:fillRect/>
-          </a:stretch>
-        </p:blipFill>
-        <p:spPr>
-          <a:xfrm>
-            <a:off x="983432" y="1556792"/>
-            <a:ext cx="4705350" cy="4162425"/>
-          </a:xfrm>
-          <a:prstGeom prst="rect">
-            <a:avLst/>
-          </a:prstGeom>
-          <a:ln>
-            <a:solidFill>
-              <a:srgbClr val="00B0F0"/>
-            </a:solidFill>
-          </a:ln>
-          <a:effectLst>
-            <a:outerShdw blurRad="292100" dist="139700" dir="2700000" algn="tl" rotWithShape="0">
-              <a:srgbClr val="333333">
-                <a:alpha val="65000"/>
-              </a:srgbClr>
-            </a:outerShdw>
-          </a:effectLst>
-        </p:spPr>
-      </p:pic>
       <p:sp>
         <p:nvSpPr>
           <p:cNvPr id="10" name="TextBox 9"/>
@@ -12077,8 +12131,8 @@
         </p:nvSpPr>
         <p:spPr>
           <a:xfrm>
-            <a:off x="0" y="476672"/>
-            <a:ext cx="12192000" cy="707886"/>
+            <a:off x="0" y="3886022"/>
+            <a:ext cx="12192000" cy="369332"/>
           </a:xfrm>
           <a:prstGeom prst="rect">
             <a:avLst/>
@@ -12093,29 +12147,53 @@
           <a:p>
             <a:pPr algn="ctr"/>
             <a:r>
-              <a:rPr lang="ru-RU" sz="4000" b="1" dirty="0"/>
-              <a:t>Глобальный объект </a:t>
-            </a:r>
-            <a:r>
-              <a:rPr lang="en-US" sz="4000" b="1" dirty="0">
-                <a:solidFill>
-                  <a:srgbClr val="00B050"/>
-                </a:solidFill>
-              </a:rPr>
-              <a:t>window</a:t>
-            </a:r>
-            <a:endParaRPr lang="ru-RU" sz="4000" b="1" dirty="0">
-              <a:solidFill>
-                <a:srgbClr val="00B050"/>
-              </a:solidFill>
-            </a:endParaRPr>
+              <a:rPr lang="ru-RU" b="1" dirty="0"/>
+              <a:t>Подробнее: </a:t>
+            </a:r>
+            <a:r>
+              <a:rPr lang="en-US" b="1" dirty="0">
+                <a:hlinkClick r:id="rId2"/>
+              </a:rPr>
+              <a:t>https://learn.javascript.ru/dom-nodes</a:t>
+            </a:r>
+            <a:endParaRPr lang="ru-RU" b="1" dirty="0"/>
+          </a:p>
+        </p:txBody>
+      </p:sp>
+      <p:sp>
+        <p:nvSpPr>
+          <p:cNvPr id="2" name="TextBox 1"/>
+          <p:cNvSpPr txBox="1"/>
+          <p:nvPr/>
+        </p:nvSpPr>
+        <p:spPr>
+          <a:xfrm>
+            <a:off x="0" y="5013176"/>
+            <a:ext cx="12192000" cy="584775"/>
+          </a:xfrm>
+          <a:prstGeom prst="rect">
+            <a:avLst/>
+          </a:prstGeom>
+          <a:noFill/>
+        </p:spPr>
+        <p:txBody>
+          <a:bodyPr wrap="square" rtlCol="0">
+            <a:spAutoFit/>
+          </a:bodyPr>
+          <a:lstStyle/>
+          <a:p>
+            <a:pPr algn="ctr"/>
+            <a:r>
+              <a:rPr lang="ru-RU" sz="3200" b="1" dirty="0"/>
+              <a:t>Но это уже другая история….</a:t>
+            </a:r>
           </a:p>
         </p:txBody>
       </p:sp>
     </p:spTree>
     <p:extLst>
       <p:ext uri="{BB962C8B-B14F-4D97-AF65-F5344CB8AC3E}">
-        <p14:creationId xmlns:p14="http://schemas.microsoft.com/office/powerpoint/2010/main" val="3720006240"/>
+        <p14:creationId xmlns:p14="http://schemas.microsoft.com/office/powerpoint/2010/main" val="2592369890"/>
       </p:ext>
     </p:extLst>
   </p:cSld>
@@ -12144,223 +12222,88 @@
       </p:grpSpPr>
       <p:sp>
         <p:nvSpPr>
-          <p:cNvPr id="20" name="Номер слайда 36"/>
-          <p:cNvSpPr txBox="1">
-            <a:spLocks/>
-          </p:cNvSpPr>
+          <p:cNvPr id="5" name="Прямоугольник 4"/>
+          <p:cNvSpPr/>
           <p:nvPr/>
         </p:nvSpPr>
         <p:spPr>
           <a:xfrm>
-            <a:off x="11208568" y="6165304"/>
-            <a:ext cx="648072" cy="432048"/>
-          </a:xfrm>
-          <a:prstGeom prst="roundRect">
-            <a:avLst/>
-          </a:prstGeom>
-          <a:ln w="25400" cap="flat" cmpd="sng" algn="ctr">
-            <a:solidFill>
-              <a:schemeClr val="tx2">
-                <a:lumMod val="60000"/>
-                <a:lumOff val="40000"/>
-              </a:schemeClr>
-            </a:solidFill>
-            <a:prstDash val="solid"/>
-          </a:ln>
+            <a:off x="0" y="0"/>
+            <a:ext cx="12192000" cy="6858000"/>
+          </a:xfrm>
+          <a:prstGeom prst="rect">
+            <a:avLst/>
+          </a:prstGeom>
+          <a:solidFill>
+            <a:srgbClr val="002060"/>
+          </a:solidFill>
         </p:spPr>
         <p:style>
           <a:lnRef idx="2">
-            <a:schemeClr val="accent1"/>
+            <a:schemeClr val="accent1">
+              <a:shade val="50000"/>
+            </a:schemeClr>
           </a:lnRef>
           <a:fillRef idx="1">
-            <a:schemeClr val="lt1"/>
+            <a:schemeClr val="accent1"/>
           </a:fillRef>
           <a:effectRef idx="0">
             <a:schemeClr val="accent1"/>
           </a:effectRef>
           <a:fontRef idx="minor">
-            <a:schemeClr val="dk1"/>
+            <a:schemeClr val="lt1"/>
           </a:fontRef>
         </p:style>
         <p:txBody>
-          <a:bodyPr vert="horz" lIns="91440" tIns="45720" rIns="91440" bIns="45720" rtlCol="0" anchor="ctr"/>
-          <a:lstStyle/>
-          <a:p>
-            <a:pPr algn="ctr">
-              <a:defRPr/>
-            </a:pPr>
-            <a:fld id="{6389AA22-90B4-448C-8B6B-C699140D38B9}" type="slidenum">
-              <a:rPr lang="uk-UA" sz="2400" b="1">
-                <a:solidFill>
-                  <a:schemeClr val="bg1">
-                    <a:lumMod val="50000"/>
-                  </a:schemeClr>
-                </a:solidFill>
-              </a:rPr>
-              <a:pPr algn="ctr">
-                <a:defRPr/>
-              </a:pPr>
-              <a:t>36</a:t>
-            </a:fld>
-            <a:endParaRPr lang="uk-UA" sz="2400" b="1" dirty="0">
-              <a:solidFill>
-                <a:schemeClr val="bg1">
-                  <a:lumMod val="50000"/>
-                </a:schemeClr>
-              </a:solidFill>
-            </a:endParaRPr>
-          </a:p>
-        </p:txBody>
-      </p:sp>
-      <p:sp>
-        <p:nvSpPr>
-          <p:cNvPr id="26" name="TextBox 25"/>
-          <p:cNvSpPr txBox="1"/>
-          <p:nvPr/>
-        </p:nvSpPr>
-        <p:spPr>
-          <a:xfrm>
-            <a:off x="0" y="5498068"/>
-            <a:ext cx="12192000" cy="523220"/>
-          </a:xfrm>
-          <a:prstGeom prst="rect">
-            <a:avLst/>
-          </a:prstGeom>
-          <a:noFill/>
-        </p:spPr>
-        <p:txBody>
-          <a:bodyPr wrap="square" rtlCol="0">
-            <a:spAutoFit/>
-          </a:bodyPr>
+          <a:bodyPr rtlCol="0" anchor="ctr"/>
           <a:lstStyle/>
           <a:p>
             <a:pPr algn="ctr"/>
             <a:r>
-              <a:rPr lang="en-US" sz="2800" b="1" dirty="0" err="1"/>
-              <a:t>window.screen</a:t>
-            </a:r>
-            <a:r>
-              <a:rPr lang="ru-RU" sz="2800" dirty="0"/>
-              <a:t> – информация об экране, размерах, ориентации и т.д.</a:t>
-            </a:r>
-            <a:r>
-              <a:rPr lang="en-US" sz="2800" dirty="0"/>
+              <a:rPr lang="en-US" sz="6600" b="1" dirty="0"/>
+              <a:t>9</a:t>
+            </a:r>
+            <a:r>
+              <a:rPr lang="ru-RU" sz="6600" b="1" dirty="0"/>
+              <a:t>. Принципы</a:t>
+            </a:r>
+          </a:p>
+          <a:p>
+            <a:pPr algn="ctr"/>
+            <a:r>
+              <a:rPr lang="ru-RU" sz="6600" b="1" dirty="0"/>
+              <a:t>модульного тестирование </a:t>
+            </a:r>
+            <a:br>
+              <a:rPr lang="ru-RU" sz="6600" b="1" dirty="0"/>
+            </a:br>
+            <a:r>
+              <a:rPr lang="ru-RU" sz="6600" b="1" dirty="0"/>
+              <a:t>(</a:t>
+            </a:r>
+            <a:r>
+              <a:rPr lang="en-US" sz="6600" b="1" dirty="0">
+                <a:solidFill>
+                  <a:srgbClr val="92D050"/>
+                </a:solidFill>
+              </a:rPr>
+              <a:t>Unit Testing</a:t>
+            </a:r>
+            <a:r>
+              <a:rPr lang="ru-RU" sz="6600" b="1" dirty="0"/>
+              <a:t>)</a:t>
+            </a:r>
+            <a:r>
+              <a:rPr lang="en-US" sz="6600" b="1" dirty="0"/>
               <a:t> </a:t>
             </a:r>
-            <a:endParaRPr lang="ru-RU" sz="2800" b="1" dirty="0"/>
-          </a:p>
-        </p:txBody>
-      </p:sp>
-      <p:sp>
-        <p:nvSpPr>
-          <p:cNvPr id="9" name="TextBox 8"/>
-          <p:cNvSpPr txBox="1"/>
-          <p:nvPr/>
-        </p:nvSpPr>
-        <p:spPr>
-          <a:xfrm>
-            <a:off x="3503713" y="3140968"/>
-            <a:ext cx="184731" cy="369332"/>
-          </a:xfrm>
-          <a:prstGeom prst="rect">
-            <a:avLst/>
-          </a:prstGeom>
-          <a:noFill/>
-        </p:spPr>
-        <p:txBody>
-          <a:bodyPr wrap="none" rtlCol="0">
-            <a:spAutoFit/>
-          </a:bodyPr>
-          <a:lstStyle/>
-          <a:p>
-            <a:endParaRPr lang="ru-RU" dirty="0"/>
-          </a:p>
-        </p:txBody>
-      </p:sp>
-      <p:pic>
-        <p:nvPicPr>
-          <p:cNvPr id="9218" name="Picture 2"/>
-          <p:cNvPicPr>
-            <a:picLocks noChangeAspect="1" noChangeArrowheads="1"/>
-          </p:cNvPicPr>
-          <p:nvPr/>
-        </p:nvPicPr>
-        <p:blipFill>
-          <a:blip r:embed="rId2" cstate="print"/>
-          <a:srcRect/>
-          <a:stretch>
-            <a:fillRect/>
-          </a:stretch>
-        </p:blipFill>
-        <p:spPr bwMode="auto">
-          <a:xfrm>
-            <a:off x="3956118" y="1196752"/>
-            <a:ext cx="4279764" cy="4101904"/>
-          </a:xfrm>
-          <a:prstGeom prst="rect">
-            <a:avLst/>
-          </a:prstGeom>
-          <a:ln>
-            <a:solidFill>
-              <a:srgbClr val="00B0F0"/>
-            </a:solidFill>
-          </a:ln>
-          <a:effectLst>
-            <a:outerShdw blurRad="292100" dist="139700" dir="2700000" algn="tl" rotWithShape="0">
-              <a:srgbClr val="333333">
-                <a:alpha val="65000"/>
-              </a:srgbClr>
-            </a:outerShdw>
-          </a:effectLst>
-        </p:spPr>
-      </p:pic>
-      <p:sp>
-        <p:nvSpPr>
-          <p:cNvPr id="8" name="TextBox 7"/>
-          <p:cNvSpPr txBox="1"/>
-          <p:nvPr/>
-        </p:nvSpPr>
-        <p:spPr>
-          <a:xfrm>
-            <a:off x="0" y="260648"/>
-            <a:ext cx="12192000" cy="707886"/>
-          </a:xfrm>
-          <a:prstGeom prst="rect">
-            <a:avLst/>
-          </a:prstGeom>
-          <a:noFill/>
-        </p:spPr>
-        <p:txBody>
-          <a:bodyPr wrap="square" rtlCol="0">
-            <a:spAutoFit/>
-          </a:bodyPr>
-          <a:lstStyle/>
-          <a:p>
-            <a:pPr algn="ctr"/>
-            <a:r>
-              <a:rPr lang="ru-RU" sz="4000" b="1" dirty="0"/>
-              <a:t>Глобальный объект </a:t>
-            </a:r>
-            <a:r>
-              <a:rPr lang="en-US" sz="4000" b="1" dirty="0">
-                <a:solidFill>
-                  <a:srgbClr val="00B050"/>
-                </a:solidFill>
-              </a:rPr>
-              <a:t>window</a:t>
-            </a:r>
-            <a:endParaRPr lang="ru-RU" sz="4000" b="1" dirty="0">
-              <a:solidFill>
-                <a:srgbClr val="00B050"/>
-              </a:solidFill>
-            </a:endParaRPr>
           </a:p>
         </p:txBody>
       </p:sp>
     </p:spTree>
     <p:extLst>
       <p:ext uri="{BB962C8B-B14F-4D97-AF65-F5344CB8AC3E}">
-        <p14:creationId xmlns:p14="http://schemas.microsoft.com/office/powerpoint/2010/main" val="503710912"/>
+        <p14:creationId xmlns:p14="http://schemas.microsoft.com/office/powerpoint/2010/main" val="899785685"/>
       </p:ext>
     </p:extLst>
   </p:cSld>
@@ -12389,7 +12332,7 @@
       </p:grpSpPr>
       <p:sp>
         <p:nvSpPr>
-          <p:cNvPr id="20" name="Номер слайда 36"/>
+          <p:cNvPr id="6" name="Номер слайда 36"/>
           <p:cNvSpPr txBox="1">
             <a:spLocks/>
           </p:cNvSpPr>
@@ -12397,7 +12340,7 @@
         </p:nvSpPr>
         <p:spPr>
           <a:xfrm>
-            <a:off x="11208568" y="6174801"/>
+            <a:off x="11280576" y="6165304"/>
             <a:ext cx="648072" cy="432048"/>
           </a:xfrm>
           <a:prstGeom prst="roundRect">
@@ -12459,14 +12402,72 @@
       </p:sp>
       <p:sp>
         <p:nvSpPr>
-          <p:cNvPr id="26" name="TextBox 25"/>
+          <p:cNvPr id="10" name="Заголовок 4"/>
+          <p:cNvSpPr txBox="1">
+            <a:spLocks/>
+          </p:cNvSpPr>
+          <p:nvPr/>
+        </p:nvSpPr>
+        <p:spPr>
+          <a:xfrm>
+            <a:off x="0" y="188640"/>
+            <a:ext cx="12192000" cy="720080"/>
+          </a:xfrm>
+          <a:prstGeom prst="rect">
+            <a:avLst/>
+          </a:prstGeom>
+        </p:spPr>
+        <p:txBody>
+          <a:bodyPr vert="horz" lIns="91440" tIns="45720" rIns="91440" bIns="45720" rtlCol="0" anchor="ctr">
+            <a:noAutofit/>
+          </a:bodyPr>
+          <a:lstStyle/>
+          <a:p>
+            <a:pPr algn="ctr">
+              <a:spcBef>
+                <a:spcPct val="0"/>
+              </a:spcBef>
+              <a:defRPr/>
+            </a:pPr>
+            <a:r>
+              <a:rPr lang="en-US" sz="3600" b="1" dirty="0">
+                <a:latin typeface="+mj-lt"/>
+                <a:ea typeface="+mj-ea"/>
+                <a:cs typeface="+mj-cs"/>
+              </a:rPr>
+              <a:t>Unit testing</a:t>
+            </a:r>
+            <a:r>
+              <a:rPr lang="ru-RU" sz="3600" b="1" dirty="0">
+                <a:latin typeface="+mj-lt"/>
+                <a:ea typeface="+mj-ea"/>
+                <a:cs typeface="+mj-cs"/>
+              </a:rPr>
+              <a:t> – модульное тестирование</a:t>
+            </a:r>
+            <a:endParaRPr lang="ru-RU" sz="3600" b="1" dirty="0">
+              <a:solidFill>
+                <a:schemeClr val="bg1">
+                  <a:lumMod val="50000"/>
+                </a:schemeClr>
+              </a:solidFill>
+              <a:latin typeface="+mj-lt"/>
+              <a:ea typeface="+mj-ea"/>
+              <a:cs typeface="+mj-cs"/>
+            </a:endParaRPr>
+          </a:p>
+        </p:txBody>
+      </p:sp>
+      <p:sp>
+        <p:nvSpPr>
+          <p:cNvPr id="11" name="TextBox 10"/>
           <p:cNvSpPr txBox="1"/>
           <p:nvPr/>
         </p:nvSpPr>
         <p:spPr>
           <a:xfrm>
-            <a:off x="1721768" y="6012577"/>
-            <a:ext cx="8748464" cy="584775"/>
+            <a:off x="7558946" y="1644186"/>
+            <a:ext cx="4032448" cy="3785652"/>
           </a:xfrm>
           <a:prstGeom prst="rect">
             <a:avLst/>
@@ -12479,29 +12480,48 @@
           </a:bodyPr>
           <a:lstStyle/>
           <a:p>
-            <a:pPr algn="ctr"/>
-            <a:r>
-              <a:rPr lang="en-US" sz="3200" b="1" dirty="0" err="1"/>
-              <a:t>window.navigator</a:t>
-            </a:r>
-            <a:r>
-              <a:rPr lang="ru-RU" sz="3200" dirty="0"/>
-              <a:t> – информация о браузере.</a:t>
-            </a:r>
-            <a:endParaRPr lang="ru-RU" sz="3200" b="1" dirty="0"/>
-          </a:p>
-        </p:txBody>
-      </p:sp>
-      <p:sp>
-        <p:nvSpPr>
-          <p:cNvPr id="9" name="TextBox 8"/>
+            <a:r>
+              <a:rPr lang="ru-RU" sz="2000" dirty="0"/>
+              <a:t>Идея </a:t>
+            </a:r>
+            <a:r>
+              <a:rPr lang="ru-RU" sz="2000" b="1" dirty="0"/>
+              <a:t>модульного тестирования </a:t>
+            </a:r>
+            <a:r>
+              <a:rPr lang="ru-RU" sz="2000" dirty="0"/>
+              <a:t>(</a:t>
+            </a:r>
+            <a:r>
+              <a:rPr lang="en-US" sz="2000" b="1" dirty="0"/>
+              <a:t>Unit testing</a:t>
+            </a:r>
+            <a:r>
+              <a:rPr lang="ru-RU" sz="2000" dirty="0"/>
+              <a:t>)</a:t>
+            </a:r>
+            <a:r>
+              <a:rPr lang="en-US" sz="2000" dirty="0"/>
+              <a:t> </a:t>
+            </a:r>
+            <a:r>
+              <a:rPr lang="ru-RU" sz="2000" dirty="0"/>
+              <a:t>в том, чтобы писать код который будет проверять работу основного кода. Функция, как пример модуля, может быть протестирована другой, написанной нами функцией. Основная польза модульного тестирования в том, что при изменении кода функции мы может оперативно определить не поломался ли её функционал.</a:t>
+            </a:r>
+            <a:endParaRPr lang="uk-UA" sz="2000" dirty="0"/>
+          </a:p>
+        </p:txBody>
+      </p:sp>
+      <p:sp>
+        <p:nvSpPr>
+          <p:cNvPr id="8" name="TextBox 7"/>
           <p:cNvSpPr txBox="1"/>
           <p:nvPr/>
         </p:nvSpPr>
         <p:spPr>
           <a:xfrm>
-            <a:off x="3503713" y="3140968"/>
-            <a:ext cx="184731" cy="369332"/>
+            <a:off x="0" y="6165304"/>
+            <a:ext cx="12191999" cy="369332"/>
           </a:xfrm>
           <a:prstGeom prst="rect">
             <a:avLst/>
@@ -12509,42 +12529,50 @@
           <a:noFill/>
         </p:spPr>
         <p:txBody>
-          <a:bodyPr wrap="none" rtlCol="0">
+          <a:bodyPr wrap="square" rtlCol="0">
             <a:spAutoFit/>
           </a:bodyPr>
           <a:lstStyle/>
           <a:p>
-            <a:endParaRPr lang="ru-RU" dirty="0"/>
+            <a:pPr algn="ctr"/>
+            <a:r>
+              <a:rPr lang="ru-RU" b="1" dirty="0"/>
+              <a:t>Подробнее: </a:t>
+            </a:r>
+            <a:r>
+              <a:rPr lang="en-US" b="1" dirty="0">
+                <a:hlinkClick r:id="rId2"/>
+              </a:rPr>
+              <a:t>https://habr.com/ru/post/169381/</a:t>
+            </a:r>
+            <a:endParaRPr lang="ru-RU" b="1" dirty="0"/>
           </a:p>
         </p:txBody>
       </p:sp>
       <p:pic>
         <p:nvPicPr>
-          <p:cNvPr id="10242" name="Picture 2"/>
+          <p:cNvPr id="2" name="Рисунок 1"/>
           <p:cNvPicPr>
-            <a:picLocks noChangeAspect="1" noChangeArrowheads="1"/>
+            <a:picLocks noChangeAspect="1"/>
           </p:cNvPicPr>
           <p:nvPr/>
         </p:nvPicPr>
         <p:blipFill>
-          <a:blip r:embed="rId2" cstate="print"/>
-          <a:srcRect r="16015"/>
+          <a:blip r:embed="rId3"/>
           <a:stretch>
             <a:fillRect/>
           </a:stretch>
         </p:blipFill>
-        <p:spPr bwMode="auto">
-          <a:xfrm>
-            <a:off x="2279576" y="1011390"/>
-            <a:ext cx="7814197" cy="4774826"/>
+        <p:spPr>
+          <a:xfrm>
+            <a:off x="839416" y="1243325"/>
+            <a:ext cx="6389910" cy="4625914"/>
           </a:xfrm>
           <a:prstGeom prst="rect">
             <a:avLst/>
           </a:prstGeom>
           <a:ln>
-            <a:solidFill>
-              <a:srgbClr val="00B0F0"/>
-            </a:solidFill>
+            <a:noFill/>
           </a:ln>
           <a:effectLst>
             <a:outerShdw blurRad="292100" dist="139700" dir="2700000" algn="tl" rotWithShape="0">
@@ -12555,53 +12583,10 @@
           </a:effectLst>
         </p:spPr>
       </p:pic>
-      <p:sp>
-        <p:nvSpPr>
-          <p:cNvPr id="8" name="TextBox 7"/>
-          <p:cNvSpPr txBox="1"/>
-          <p:nvPr/>
-        </p:nvSpPr>
-        <p:spPr>
-          <a:xfrm>
-            <a:off x="0" y="188640"/>
-            <a:ext cx="12192000" cy="707886"/>
-          </a:xfrm>
-          <a:prstGeom prst="rect">
-            <a:avLst/>
-          </a:prstGeom>
-          <a:noFill/>
-        </p:spPr>
-        <p:txBody>
-          <a:bodyPr wrap="square" rtlCol="0">
-            <a:spAutoFit/>
-          </a:bodyPr>
-          <a:lstStyle/>
-          <a:p>
-            <a:pPr algn="ctr"/>
-            <a:r>
-              <a:rPr lang="ru-RU" sz="4000" b="1" dirty="0"/>
-              <a:t>Глобальный объект </a:t>
-            </a:r>
-            <a:r>
-              <a:rPr lang="en-US" sz="4000" b="1" dirty="0">
-                <a:solidFill>
-                  <a:srgbClr val="00B050"/>
-                </a:solidFill>
-              </a:rPr>
-              <a:t>window</a:t>
-            </a:r>
-            <a:endParaRPr lang="ru-RU" sz="4000" b="1" dirty="0">
-              <a:solidFill>
-                <a:srgbClr val="00B050"/>
-              </a:solidFill>
-            </a:endParaRPr>
-          </a:p>
-        </p:txBody>
-      </p:sp>
     </p:spTree>
     <p:extLst>
       <p:ext uri="{BB962C8B-B14F-4D97-AF65-F5344CB8AC3E}">
-        <p14:creationId xmlns:p14="http://schemas.microsoft.com/office/powerpoint/2010/main" val="1302747808"/>
+        <p14:creationId xmlns:p14="http://schemas.microsoft.com/office/powerpoint/2010/main" val="2765944910"/>
       </p:ext>
     </p:extLst>
   </p:cSld>
@@ -12630,7 +12615,7 @@
       </p:grpSpPr>
       <p:sp>
         <p:nvSpPr>
-          <p:cNvPr id="20" name="Номер слайда 36"/>
+          <p:cNvPr id="6" name="Номер слайда 36"/>
           <p:cNvSpPr txBox="1">
             <a:spLocks/>
           </p:cNvSpPr>
@@ -12638,7 +12623,7 @@
         </p:nvSpPr>
         <p:spPr>
           <a:xfrm>
-            <a:off x="11208568" y="6174801"/>
+            <a:off x="11280576" y="6165304"/>
             <a:ext cx="648072" cy="432048"/>
           </a:xfrm>
           <a:prstGeom prst="roundRect">
@@ -12700,14 +12685,72 @@
       </p:sp>
       <p:sp>
         <p:nvSpPr>
-          <p:cNvPr id="26" name="TextBox 25"/>
+          <p:cNvPr id="10" name="Заголовок 4"/>
+          <p:cNvSpPr txBox="1">
+            <a:spLocks/>
+          </p:cNvSpPr>
+          <p:nvPr/>
+        </p:nvSpPr>
+        <p:spPr>
+          <a:xfrm>
+            <a:off x="0" y="188640"/>
+            <a:ext cx="12192000" cy="720080"/>
+          </a:xfrm>
+          <a:prstGeom prst="rect">
+            <a:avLst/>
+          </a:prstGeom>
+        </p:spPr>
+        <p:txBody>
+          <a:bodyPr vert="horz" lIns="91440" tIns="45720" rIns="91440" bIns="45720" rtlCol="0" anchor="ctr">
+            <a:noAutofit/>
+          </a:bodyPr>
+          <a:lstStyle/>
+          <a:p>
+            <a:pPr algn="ctr">
+              <a:spcBef>
+                <a:spcPct val="0"/>
+              </a:spcBef>
+              <a:defRPr/>
+            </a:pPr>
+            <a:r>
+              <a:rPr lang="en-US" sz="3600" b="1" dirty="0">
+                <a:latin typeface="+mj-lt"/>
+                <a:ea typeface="+mj-ea"/>
+                <a:cs typeface="+mj-cs"/>
+              </a:rPr>
+              <a:t>Unit testing</a:t>
+            </a:r>
+            <a:r>
+              <a:rPr lang="ru-RU" sz="3600" b="1" dirty="0">
+                <a:latin typeface="+mj-lt"/>
+                <a:ea typeface="+mj-ea"/>
+                <a:cs typeface="+mj-cs"/>
+              </a:rPr>
+              <a:t> – модульное тестирование</a:t>
+            </a:r>
+            <a:endParaRPr lang="ru-RU" sz="3600" b="1" dirty="0">
+              <a:solidFill>
+                <a:schemeClr val="bg1">
+                  <a:lumMod val="50000"/>
+                </a:schemeClr>
+              </a:solidFill>
+              <a:latin typeface="+mj-lt"/>
+              <a:ea typeface="+mj-ea"/>
+              <a:cs typeface="+mj-cs"/>
+            </a:endParaRPr>
+          </a:p>
+        </p:txBody>
+      </p:sp>
+      <p:sp>
+        <p:nvSpPr>
+          <p:cNvPr id="11" name="TextBox 10"/>
           <p:cNvSpPr txBox="1"/>
           <p:nvPr/>
         </p:nvSpPr>
         <p:spPr>
           <a:xfrm>
-            <a:off x="0" y="1700808"/>
-            <a:ext cx="12192000" cy="2185214"/>
+            <a:off x="2193405" y="5013176"/>
+            <a:ext cx="7805191" cy="830997"/>
           </a:xfrm>
           <a:prstGeom prst="rect">
             <a:avLst/>
@@ -12720,99 +12763,40 @@
           </a:bodyPr>
           <a:lstStyle/>
           <a:p>
-            <a:pPr algn="ctr"/>
-            <a:r>
-              <a:rPr lang="en-US" sz="4800" b="1" dirty="0" err="1">
-                <a:solidFill>
-                  <a:srgbClr val="0070C0"/>
-                </a:solidFill>
-              </a:rPr>
-              <a:t>window.</a:t>
-            </a:r>
-            <a:r>
-              <a:rPr lang="en-US" sz="4800" b="1" dirty="0" err="1">
-                <a:solidFill>
-                  <a:schemeClr val="accent6">
-                    <a:lumMod val="75000"/>
-                  </a:schemeClr>
-                </a:solidFill>
-              </a:rPr>
-              <a:t>document</a:t>
-            </a:r>
-            <a:r>
-              <a:rPr lang="ru-RU" sz="4800" dirty="0"/>
+            <a:r>
+              <a:rPr lang="ru-RU" sz="2400" dirty="0"/>
+              <a:t>Метод</a:t>
+            </a:r>
+            <a:r>
+              <a:rPr lang="it-IT" sz="2400" dirty="0"/>
               <a:t> </a:t>
             </a:r>
-          </a:p>
-          <a:p>
-            <a:pPr algn="ctr"/>
-            <a:r>
-              <a:rPr lang="ru-RU" sz="4000" i="1" dirty="0"/>
-              <a:t>(корень </a:t>
-            </a:r>
-            <a:r>
-              <a:rPr lang="en-US" sz="4000" i="1" dirty="0"/>
-              <a:t>DOM-</a:t>
-            </a:r>
-            <a:r>
-              <a:rPr lang="ru-RU" sz="4000" i="1" dirty="0"/>
-              <a:t>дерева)</a:t>
-            </a:r>
-          </a:p>
-          <a:p>
-            <a:pPr algn="ctr"/>
-            <a:r>
-              <a:rPr lang="ru-RU" sz="4800" dirty="0"/>
-              <a:t>хранилище </a:t>
-            </a:r>
-            <a:r>
-              <a:rPr lang="en-US" sz="4800" dirty="0"/>
-              <a:t>HTML-</a:t>
-            </a:r>
-            <a:r>
-              <a:rPr lang="ru-RU" sz="4800" dirty="0"/>
-              <a:t>документа</a:t>
-            </a:r>
-            <a:endParaRPr lang="ru-RU" sz="4800" b="1" dirty="0"/>
-          </a:p>
-        </p:txBody>
-      </p:sp>
-      <p:sp>
-        <p:nvSpPr>
-          <p:cNvPr id="9" name="TextBox 8"/>
+            <a:r>
+              <a:rPr lang="en-US" sz="2400" b="1" dirty="0" err="1"/>
+              <a:t>console.assert</a:t>
+            </a:r>
+            <a:r>
+              <a:rPr lang="en-US" sz="2400" b="1" dirty="0"/>
+              <a:t>() </a:t>
+            </a:r>
+            <a:r>
+              <a:rPr lang="ru-RU" sz="2400" dirty="0"/>
+              <a:t>– удобный способ добавить вывод информации об ошибках в консоль разработчика.</a:t>
+            </a:r>
+            <a:endParaRPr lang="uk-UA" sz="2400" dirty="0"/>
+          </a:p>
+        </p:txBody>
+      </p:sp>
+      <p:sp>
+        <p:nvSpPr>
+          <p:cNvPr id="8" name="TextBox 7"/>
           <p:cNvSpPr txBox="1"/>
           <p:nvPr/>
         </p:nvSpPr>
         <p:spPr>
           <a:xfrm>
-            <a:off x="3503713" y="3140968"/>
-            <a:ext cx="184731" cy="369332"/>
-          </a:xfrm>
-          <a:prstGeom prst="rect">
-            <a:avLst/>
-          </a:prstGeom>
-          <a:noFill/>
-        </p:spPr>
-        <p:txBody>
-          <a:bodyPr wrap="none" rtlCol="0">
-            <a:spAutoFit/>
-          </a:bodyPr>
-          <a:lstStyle/>
-          <a:p>
-            <a:endParaRPr lang="ru-RU" dirty="0"/>
-          </a:p>
-        </p:txBody>
-      </p:sp>
-      <p:sp>
-        <p:nvSpPr>
-          <p:cNvPr id="10" name="TextBox 9"/>
-          <p:cNvSpPr txBox="1"/>
-          <p:nvPr/>
-        </p:nvSpPr>
-        <p:spPr>
-          <a:xfrm>
-            <a:off x="0" y="3886022"/>
-            <a:ext cx="12192000" cy="369332"/>
+            <a:off x="1" y="6165304"/>
+            <a:ext cx="12191999" cy="369332"/>
           </a:xfrm>
           <a:prstGeom prst="rect">
             <a:avLst/>
@@ -12834,46 +12818,50 @@
               <a:rPr lang="en-US" b="1" dirty="0">
                 <a:hlinkClick r:id="rId2"/>
               </a:rPr>
-              <a:t>https://learn.javascript.ru/dom-nodes</a:t>
+              <a:t>https://developer.mozilla.org/ru/docs/Web/API/Console/assert</a:t>
             </a:r>
             <a:endParaRPr lang="ru-RU" b="1" dirty="0"/>
           </a:p>
         </p:txBody>
       </p:sp>
-      <p:sp>
-        <p:nvSpPr>
-          <p:cNvPr id="2" name="TextBox 1"/>
-          <p:cNvSpPr txBox="1"/>
+      <p:pic>
+        <p:nvPicPr>
+          <p:cNvPr id="3" name="Рисунок 2"/>
+          <p:cNvPicPr>
+            <a:picLocks noChangeAspect="1"/>
+          </p:cNvPicPr>
           <p:nvPr/>
-        </p:nvSpPr>
-        <p:spPr>
-          <a:xfrm>
-            <a:off x="0" y="5013176"/>
-            <a:ext cx="12192000" cy="584775"/>
+        </p:nvPicPr>
+        <p:blipFill>
+          <a:blip r:embed="rId3"/>
+          <a:stretch>
+            <a:fillRect/>
+          </a:stretch>
+        </p:blipFill>
+        <p:spPr>
+          <a:xfrm>
+            <a:off x="2193405" y="990600"/>
+            <a:ext cx="7805191" cy="3590528"/>
           </a:xfrm>
           <a:prstGeom prst="rect">
             <a:avLst/>
           </a:prstGeom>
-          <a:noFill/>
-        </p:spPr>
-        <p:txBody>
-          <a:bodyPr wrap="square" rtlCol="0">
-            <a:spAutoFit/>
-          </a:bodyPr>
-          <a:lstStyle/>
-          <a:p>
-            <a:pPr algn="ctr"/>
-            <a:r>
-              <a:rPr lang="ru-RU" sz="3200" b="1" dirty="0"/>
-              <a:t>Но это уже другая история….</a:t>
-            </a:r>
-          </a:p>
-        </p:txBody>
-      </p:sp>
+          <a:ln>
+            <a:noFill/>
+          </a:ln>
+          <a:effectLst>
+            <a:outerShdw blurRad="292100" dist="139700" dir="2700000" algn="tl" rotWithShape="0">
+              <a:srgbClr val="333333">
+                <a:alpha val="65000"/>
+              </a:srgbClr>
+            </a:outerShdw>
+          </a:effectLst>
+        </p:spPr>
+      </p:pic>
     </p:spTree>
     <p:extLst>
       <p:ext uri="{BB962C8B-B14F-4D97-AF65-F5344CB8AC3E}">
-        <p14:creationId xmlns:p14="http://schemas.microsoft.com/office/powerpoint/2010/main" val="2592369890"/>
+        <p14:creationId xmlns:p14="http://schemas.microsoft.com/office/powerpoint/2010/main" val="316371881"/>
       </p:ext>
     </p:extLst>
   </p:cSld>
@@ -12940,50 +12928,17 @@
           <a:p>
             <a:pPr algn="ctr"/>
             <a:r>
-              <a:rPr lang="en-US" sz="6600" b="1" dirty="0"/>
-              <a:t>9</a:t>
-            </a:r>
-            <a:r>
-              <a:rPr lang="ru-RU" sz="6600" b="1" dirty="0"/>
-              <a:t>. Принципы</a:t>
-            </a:r>
-          </a:p>
-          <a:p>
-            <a:pPr algn="ctr"/>
-            <a:r>
-              <a:rPr lang="ru-RU" sz="6600" b="1" dirty="0"/>
-              <a:t>модульного тестирование </a:t>
-            </a:r>
-            <a:br>
-              <a:rPr lang="ru-RU" sz="6600" b="1" dirty="0"/>
-            </a:br>
-            <a:r>
-              <a:rPr lang="ru-RU" sz="6600" b="1" dirty="0"/>
-              <a:t>(</a:t>
-            </a:r>
-            <a:r>
-              <a:rPr lang="en-US" sz="6600" b="1" dirty="0">
-                <a:solidFill>
-                  <a:srgbClr val="92D050"/>
-                </a:solidFill>
-              </a:rPr>
-              <a:t>Unit Testing</a:t>
-            </a:r>
-            <a:r>
-              <a:rPr lang="ru-RU" sz="6600" b="1" dirty="0"/>
-              <a:t>)</a:t>
-            </a:r>
-            <a:r>
-              <a:rPr lang="en-US" sz="6600" b="1" dirty="0"/>
-              <a:t> </a:t>
-            </a:r>
+              <a:rPr lang="ru-RU" sz="6000" b="1" dirty="0"/>
+              <a:t>Будет полезным</a:t>
+            </a:r>
+            <a:endParaRPr lang="uk-UA" sz="6000" b="1" dirty="0"/>
           </a:p>
         </p:txBody>
       </p:sp>
     </p:spTree>
     <p:extLst>
       <p:ext uri="{BB962C8B-B14F-4D97-AF65-F5344CB8AC3E}">
-        <p14:creationId xmlns:p14="http://schemas.microsoft.com/office/powerpoint/2010/main" val="899785685"/>
+        <p14:creationId xmlns:p14="http://schemas.microsoft.com/office/powerpoint/2010/main" val="1158722151"/>
       </p:ext>
     </p:extLst>
   </p:cSld>
@@ -13356,261 +13311,115 @@
       </p:grpSpPr>
       <p:sp>
         <p:nvSpPr>
-          <p:cNvPr id="6" name="Номер слайда 36"/>
-          <p:cNvSpPr txBox="1">
-            <a:spLocks/>
-          </p:cNvSpPr>
+          <p:cNvPr id="5" name="Прямоугольник 4"/>
+          <p:cNvSpPr/>
           <p:nvPr/>
         </p:nvSpPr>
         <p:spPr>
           <a:xfrm>
-            <a:off x="11280576" y="6165304"/>
-            <a:ext cx="648072" cy="432048"/>
-          </a:xfrm>
-          <a:prstGeom prst="roundRect">
-            <a:avLst/>
-          </a:prstGeom>
-          <a:ln w="25400" cap="flat" cmpd="sng" algn="ctr">
-            <a:solidFill>
-              <a:schemeClr val="tx2">
-                <a:lumMod val="60000"/>
-                <a:lumOff val="40000"/>
-              </a:schemeClr>
-            </a:solidFill>
-            <a:prstDash val="solid"/>
-          </a:ln>
-        </p:spPr>
-        <p:style>
-          <a:lnRef idx="2">
-            <a:schemeClr val="accent1"/>
-          </a:lnRef>
-          <a:fillRef idx="1">
-            <a:schemeClr val="lt1"/>
-          </a:fillRef>
-          <a:effectRef idx="0">
-            <a:schemeClr val="accent1"/>
-          </a:effectRef>
-          <a:fontRef idx="minor">
-            <a:schemeClr val="dk1"/>
-          </a:fontRef>
-        </p:style>
-        <p:txBody>
-          <a:bodyPr vert="horz" lIns="91440" tIns="45720" rIns="91440" bIns="45720" rtlCol="0" anchor="ctr"/>
-          <a:lstStyle/>
-          <a:p>
-            <a:pPr algn="ctr">
-              <a:defRPr/>
-            </a:pPr>
-            <a:fld id="{6389AA22-90B4-448C-8B6B-C699140D38B9}" type="slidenum">
-              <a:rPr lang="uk-UA" sz="2400" b="1">
-                <a:solidFill>
-                  <a:schemeClr val="bg1">
-                    <a:lumMod val="50000"/>
-                  </a:schemeClr>
-                </a:solidFill>
-              </a:rPr>
-              <a:pPr algn="ctr">
-                <a:defRPr/>
-              </a:pPr>
-              <a:t>40</a:t>
-            </a:fld>
-            <a:endParaRPr lang="uk-UA" sz="2400" b="1" dirty="0">
-              <a:solidFill>
-                <a:schemeClr val="bg1">
-                  <a:lumMod val="50000"/>
-                </a:schemeClr>
-              </a:solidFill>
-            </a:endParaRPr>
-          </a:p>
-        </p:txBody>
-      </p:sp>
-      <p:sp>
-        <p:nvSpPr>
-          <p:cNvPr id="10" name="Заголовок 4"/>
-          <p:cNvSpPr txBox="1">
-            <a:spLocks/>
-          </p:cNvSpPr>
-          <p:nvPr/>
-        </p:nvSpPr>
-        <p:spPr>
-          <a:xfrm>
-            <a:off x="0" y="188640"/>
-            <a:ext cx="12192000" cy="720080"/>
+            <a:off x="0" y="6021288"/>
+            <a:ext cx="12192000" cy="461665"/>
           </a:xfrm>
           <a:prstGeom prst="rect">
             <a:avLst/>
           </a:prstGeom>
         </p:spPr>
         <p:txBody>
-          <a:bodyPr vert="horz" lIns="91440" tIns="45720" rIns="91440" bIns="45720" rtlCol="0" anchor="ctr">
-            <a:noAutofit/>
-          </a:bodyPr>
-          <a:lstStyle/>
-          <a:p>
-            <a:pPr algn="ctr">
-              <a:spcBef>
-                <a:spcPct val="0"/>
-              </a:spcBef>
-              <a:defRPr/>
-            </a:pPr>
-            <a:r>
-              <a:rPr lang="en-US" sz="3600" b="1" dirty="0">
-                <a:latin typeface="+mj-lt"/>
-                <a:ea typeface="+mj-ea"/>
-                <a:cs typeface="+mj-cs"/>
-              </a:rPr>
-              <a:t>Unit testing</a:t>
-            </a:r>
-            <a:r>
-              <a:rPr lang="ru-RU" sz="3600" b="1" dirty="0">
-                <a:latin typeface="+mj-lt"/>
-                <a:ea typeface="+mj-ea"/>
-                <a:cs typeface="+mj-cs"/>
-              </a:rPr>
-              <a:t> – модульное тестирование</a:t>
-            </a:r>
-            <a:endParaRPr lang="ru-RU" sz="3600" b="1" dirty="0">
-              <a:solidFill>
-                <a:schemeClr val="bg1">
-                  <a:lumMod val="50000"/>
-                </a:schemeClr>
-              </a:solidFill>
-              <a:latin typeface="+mj-lt"/>
-              <a:ea typeface="+mj-ea"/>
-              <a:cs typeface="+mj-cs"/>
-            </a:endParaRPr>
-          </a:p>
-        </p:txBody>
-      </p:sp>
-      <p:sp>
-        <p:nvSpPr>
-          <p:cNvPr id="11" name="TextBox 10"/>
-          <p:cNvSpPr txBox="1"/>
-          <p:nvPr/>
-        </p:nvSpPr>
-        <p:spPr>
-          <a:xfrm>
-            <a:off x="7558946" y="1644186"/>
-            <a:ext cx="4032448" cy="3785652"/>
-          </a:xfrm>
-          <a:prstGeom prst="rect">
-            <a:avLst/>
-          </a:prstGeom>
-          <a:noFill/>
-        </p:spPr>
-        <p:txBody>
-          <a:bodyPr wrap="square" rtlCol="0">
+          <a:bodyPr wrap="square">
             <a:spAutoFit/>
           </a:bodyPr>
           <a:lstStyle/>
           <a:p>
-            <a:r>
-              <a:rPr lang="ru-RU" sz="2000" dirty="0"/>
-              <a:t>Идея </a:t>
-            </a:r>
-            <a:r>
-              <a:rPr lang="ru-RU" sz="2000" b="1" dirty="0"/>
-              <a:t>модульного тестирования </a:t>
-            </a:r>
-            <a:r>
-              <a:rPr lang="ru-RU" sz="2000" dirty="0"/>
-              <a:t>(</a:t>
-            </a:r>
-            <a:r>
-              <a:rPr lang="en-US" sz="2000" b="1" dirty="0"/>
-              <a:t>Unit testing</a:t>
-            </a:r>
-            <a:r>
-              <a:rPr lang="ru-RU" sz="2000" dirty="0"/>
-              <a:t>)</a:t>
-            </a:r>
-            <a:r>
-              <a:rPr lang="en-US" sz="2000" dirty="0"/>
-              <a:t> </a:t>
-            </a:r>
-            <a:r>
-              <a:rPr lang="ru-RU" sz="2000" dirty="0"/>
-              <a:t>в том, чтобы писать код который будет проверять работу основного кода. Функция, как пример модуля, может быть протестирована другой, написанной нами функцией. Основная польза модульного тестирования в том, что при изменении кода функции мы может оперативно определить не поломался ли её функционал.</a:t>
-            </a:r>
-            <a:endParaRPr lang="uk-UA" sz="2000" dirty="0"/>
-          </a:p>
-        </p:txBody>
-      </p:sp>
-      <p:sp>
-        <p:nvSpPr>
-          <p:cNvPr id="8" name="TextBox 7"/>
-          <p:cNvSpPr txBox="1"/>
-          <p:nvPr/>
-        </p:nvSpPr>
-        <p:spPr>
-          <a:xfrm>
-            <a:off x="0" y="6165304"/>
-            <a:ext cx="12191999" cy="369332"/>
-          </a:xfrm>
-          <a:prstGeom prst="rect">
-            <a:avLst/>
-          </a:prstGeom>
-          <a:noFill/>
-        </p:spPr>
-        <p:txBody>
-          <a:bodyPr wrap="square" rtlCol="0">
-            <a:spAutoFit/>
-          </a:bodyPr>
-          <a:lstStyle/>
-          <a:p>
             <a:pPr algn="ctr"/>
             <a:r>
-              <a:rPr lang="ru-RU" b="1" dirty="0"/>
-              <a:t>Подробнее: </a:t>
-            </a:r>
-            <a:r>
-              <a:rPr lang="en-US" b="1" dirty="0">
+              <a:rPr lang="ru-RU" sz="2400" b="1" dirty="0">
                 <a:hlinkClick r:id="rId2"/>
               </a:rPr>
-              <a:t>https://habr.com/ru/post/169381/</a:t>
-            </a:r>
-            <a:endParaRPr lang="ru-RU" b="1" dirty="0"/>
+              <a:t>https://habr.com/ru/company/mailru/blog/438286/</a:t>
+            </a:r>
+            <a:endParaRPr lang="ru-RU" dirty="0"/>
           </a:p>
         </p:txBody>
       </p:sp>
       <p:pic>
         <p:nvPicPr>
-          <p:cNvPr id="2" name="Рисунок 1"/>
+          <p:cNvPr id="1026" name="Picture 2" descr="https://habrastorage.org/getpro/habr/post_images/540/5d5/588/5405d55887909032bc8016afe3f65796.jpg"/>
           <p:cNvPicPr>
-            <a:picLocks noChangeAspect="1"/>
+            <a:picLocks noChangeAspect="1" noChangeArrowheads="1"/>
           </p:cNvPicPr>
           <p:nvPr/>
         </p:nvPicPr>
         <p:blipFill>
-          <a:blip r:embed="rId3"/>
+          <a:blip r:embed="rId3">
+            <a:extLst>
+              <a:ext uri="{28A0092B-C50C-407E-A947-70E740481C1C}">
+                <a14:useLocalDpi xmlns:a14="http://schemas.microsoft.com/office/drawing/2010/main" val="0"/>
+              </a:ext>
+            </a:extLst>
+          </a:blip>
+          <a:srcRect/>
           <a:stretch>
             <a:fillRect/>
           </a:stretch>
         </p:blipFill>
-        <p:spPr>
-          <a:xfrm>
-            <a:off x="839416" y="1243325"/>
-            <a:ext cx="6389910" cy="4625914"/>
+        <p:spPr bwMode="auto">
+          <a:xfrm>
+            <a:off x="2217204" y="1124744"/>
+            <a:ext cx="7757592" cy="4745060"/>
           </a:xfrm>
           <a:prstGeom prst="rect">
             <a:avLst/>
           </a:prstGeom>
-          <a:ln>
-            <a:noFill/>
-          </a:ln>
-          <a:effectLst>
-            <a:outerShdw blurRad="292100" dist="139700" dir="2700000" algn="tl" rotWithShape="0">
-              <a:srgbClr val="333333">
-                <a:alpha val="65000"/>
-              </a:srgbClr>
-            </a:outerShdw>
-          </a:effectLst>
+          <a:noFill/>
+          <a:extLst>
+            <a:ext uri="{909E8E84-426E-40DD-AFC4-6F175D3DCCD1}">
+              <a14:hiddenFill xmlns:a14="http://schemas.microsoft.com/office/drawing/2010/main">
+                <a:solidFill>
+                  <a:srgbClr val="FFFFFF"/>
+                </a:solidFill>
+              </a14:hiddenFill>
+            </a:ext>
+          </a:extLst>
         </p:spPr>
       </p:pic>
+      <p:sp>
+        <p:nvSpPr>
+          <p:cNvPr id="3" name="Прямоугольник 2"/>
+          <p:cNvSpPr/>
+          <p:nvPr/>
+        </p:nvSpPr>
+        <p:spPr>
+          <a:xfrm>
+            <a:off x="0" y="332656"/>
+            <a:ext cx="12192000" cy="584775"/>
+          </a:xfrm>
+          <a:prstGeom prst="rect">
+            <a:avLst/>
+          </a:prstGeom>
+        </p:spPr>
+        <p:txBody>
+          <a:bodyPr wrap="square">
+            <a:spAutoFit/>
+          </a:bodyPr>
+          <a:lstStyle/>
+          <a:p>
+            <a:pPr algn="ctr"/>
+            <a:r>
+              <a:rPr lang="ru-RU" sz="3200" b="1" dirty="0"/>
+              <a:t>Работа с часовыми поясами в </a:t>
+            </a:r>
+            <a:r>
+              <a:rPr lang="ru-RU" sz="3200" b="1" dirty="0" err="1"/>
+              <a:t>JavaScript</a:t>
+            </a:r>
+            <a:endParaRPr lang="ru-RU" sz="3200" b="1" dirty="0"/>
+          </a:p>
+        </p:txBody>
+      </p:sp>
     </p:spTree>
     <p:extLst>
       <p:ext uri="{BB962C8B-B14F-4D97-AF65-F5344CB8AC3E}">
-        <p14:creationId xmlns:p14="http://schemas.microsoft.com/office/powerpoint/2010/main" val="2765944910"/>
+        <p14:creationId xmlns:p14="http://schemas.microsoft.com/office/powerpoint/2010/main" val="747592639"/>
       </p:ext>
     </p:extLst>
   </p:cSld>
@@ -13647,7 +13456,7 @@
         </p:nvSpPr>
         <p:spPr>
           <a:xfrm>
-            <a:off x="11280576" y="6165304"/>
+            <a:off x="11280576" y="6237312"/>
             <a:ext cx="648072" cy="432048"/>
           </a:xfrm>
           <a:prstGeom prst="roundRect">
@@ -13709,72 +13518,77 @@
       </p:sp>
       <p:sp>
         <p:nvSpPr>
-          <p:cNvPr id="10" name="Заголовок 4"/>
-          <p:cNvSpPr txBox="1">
-            <a:spLocks/>
+          <p:cNvPr id="3" name="Заголовок 4"/>
+          <p:cNvSpPr>
+            <a:spLocks noGrp="1"/>
           </p:cNvSpPr>
-          <p:nvPr/>
-        </p:nvSpPr>
-        <p:spPr>
-          <a:xfrm>
-            <a:off x="0" y="188640"/>
-            <a:ext cx="12192000" cy="720080"/>
-          </a:xfrm>
-          <a:prstGeom prst="rect">
-            <a:avLst/>
-          </a:prstGeom>
-        </p:spPr>
-        <p:txBody>
-          <a:bodyPr vert="horz" lIns="91440" tIns="45720" rIns="91440" bIns="45720" rtlCol="0" anchor="ctr">
-            <a:noAutofit/>
+          <p:nvPr>
+            <p:ph type="title"/>
+          </p:nvPr>
+        </p:nvSpPr>
+        <p:spPr>
+          <a:xfrm>
+            <a:off x="0" y="836712"/>
+            <a:ext cx="12192000" cy="710952"/>
+          </a:xfrm>
+        </p:spPr>
+        <p:txBody>
+          <a:bodyPr>
+            <a:normAutofit/>
           </a:bodyPr>
           <a:lstStyle/>
           <a:p>
-            <a:pPr algn="ctr">
-              <a:spcBef>
-                <a:spcPct val="0"/>
-              </a:spcBef>
-              <a:defRPr/>
-            </a:pPr>
-            <a:r>
-              <a:rPr lang="en-US" sz="3600" b="1" dirty="0">
-                <a:latin typeface="+mj-lt"/>
-                <a:ea typeface="+mj-ea"/>
-                <a:cs typeface="+mj-cs"/>
-              </a:rPr>
-              <a:t>Unit testing</a:t>
-            </a:r>
-            <a:r>
-              <a:rPr lang="ru-RU" sz="3600" b="1" dirty="0">
-                <a:latin typeface="+mj-lt"/>
-                <a:ea typeface="+mj-ea"/>
-                <a:cs typeface="+mj-cs"/>
-              </a:rPr>
-              <a:t> – модульное тестирование</a:t>
-            </a:r>
-            <a:endParaRPr lang="ru-RU" sz="3600" b="1" dirty="0">
-              <a:solidFill>
-                <a:schemeClr val="bg1">
-                  <a:lumMod val="50000"/>
-                </a:schemeClr>
-              </a:solidFill>
-              <a:latin typeface="+mj-lt"/>
-              <a:ea typeface="+mj-ea"/>
-              <a:cs typeface="+mj-cs"/>
-            </a:endParaRPr>
-          </a:p>
-        </p:txBody>
-      </p:sp>
-      <p:sp>
-        <p:nvSpPr>
-          <p:cNvPr id="11" name="TextBox 10"/>
+            <a:r>
+              <a:rPr lang="en-US" sz="4000" b="1" dirty="0">
+                <a:solidFill>
+                  <a:schemeClr val="accent6">
+                    <a:lumMod val="75000"/>
+                  </a:schemeClr>
+                </a:solidFill>
+              </a:rPr>
+              <a:t>GET</a:t>
+            </a:r>
+            <a:r>
+              <a:rPr lang="en-US" sz="4000" b="1" dirty="0"/>
+              <a:t>/</a:t>
+            </a:r>
+            <a:r>
+              <a:rPr lang="en-US" sz="4000" b="1" dirty="0">
+                <a:solidFill>
+                  <a:srgbClr val="00B050"/>
+                </a:solidFill>
+              </a:rPr>
+              <a:t>SET</a:t>
+            </a:r>
+            <a:r>
+              <a:rPr lang="en-US" sz="4000" b="1" dirty="0"/>
+              <a:t> </a:t>
+            </a:r>
+            <a:r>
+              <a:rPr lang="ru-RU" sz="4000" b="1" dirty="0"/>
+              <a:t>методы</a:t>
+            </a:r>
+            <a:r>
+              <a:rPr lang="en-US" sz="4000" b="1" dirty="0"/>
+              <a:t> </a:t>
+            </a:r>
+            <a:r>
+              <a:rPr lang="ru-RU" sz="4000" b="1" dirty="0"/>
+              <a:t>у объекта</a:t>
+            </a:r>
+          </a:p>
+        </p:txBody>
+      </p:sp>
+      <p:sp>
+        <p:nvSpPr>
+          <p:cNvPr id="5" name="TextBox 4"/>
           <p:cNvSpPr txBox="1"/>
           <p:nvPr/>
         </p:nvSpPr>
         <p:spPr>
           <a:xfrm>
-            <a:off x="2193405" y="5013176"/>
-            <a:ext cx="7805191" cy="830997"/>
+            <a:off x="2495600" y="2636912"/>
+            <a:ext cx="7416824" cy="2308324"/>
           </a:xfrm>
           <a:prstGeom prst="rect">
             <a:avLst/>
@@ -13788,39 +13602,88 @@
           <a:lstStyle/>
           <a:p>
             <a:r>
-              <a:rPr lang="ru-RU" sz="2400" dirty="0"/>
-              <a:t>Метод</a:t>
-            </a:r>
-            <a:r>
-              <a:rPr lang="it-IT" sz="2400" dirty="0"/>
+              <a:rPr lang="ru-RU" sz="3600" dirty="0"/>
+              <a:t>В составе объектов в </a:t>
+            </a:r>
+            <a:r>
+              <a:rPr lang="en-US" sz="3600" dirty="0"/>
+              <a:t>JavaScript </a:t>
+            </a:r>
+            <a:r>
+              <a:rPr lang="ru-RU" sz="3600" dirty="0"/>
+              <a:t>могут</a:t>
+            </a:r>
+            <a:r>
+              <a:rPr lang="en-US" sz="3600" dirty="0"/>
               <a:t> </a:t>
             </a:r>
             <a:r>
-              <a:rPr lang="en-US" sz="2400" b="1" dirty="0" err="1"/>
-              <a:t>console.assert</a:t>
-            </a:r>
-            <a:r>
-              <a:rPr lang="en-US" sz="2400" b="1" dirty="0"/>
-              <a:t>() </a:t>
-            </a:r>
-            <a:r>
-              <a:rPr lang="ru-RU" sz="2400" dirty="0"/>
-              <a:t>– удобный способ добавить вывод информации об ошибках в консоль разработчика.</a:t>
-            </a:r>
-            <a:endParaRPr lang="uk-UA" sz="2400" dirty="0"/>
-          </a:p>
-        </p:txBody>
-      </p:sp>
-      <p:sp>
-        <p:nvSpPr>
-          <p:cNvPr id="8" name="TextBox 7"/>
+              <a:rPr lang="ru-RU" sz="3600" dirty="0"/>
+              <a:t>использоваться т.н. </a:t>
+            </a:r>
+            <a:r>
+              <a:rPr lang="ru-RU" sz="3600" b="1" dirty="0"/>
+              <a:t>геттеры</a:t>
+            </a:r>
+            <a:r>
+              <a:rPr lang="ru-RU" sz="3600" dirty="0"/>
+              <a:t> и </a:t>
+            </a:r>
+            <a:r>
+              <a:rPr lang="ru-RU" sz="3600" b="1" dirty="0"/>
+              <a:t>сеттеры</a:t>
+            </a:r>
+            <a:r>
+              <a:rPr lang="ru-RU" sz="3600" dirty="0"/>
+              <a:t> (</a:t>
+            </a:r>
+            <a:r>
+              <a:rPr lang="en-US" sz="3600" b="1" dirty="0">
+                <a:solidFill>
+                  <a:schemeClr val="accent6">
+                    <a:lumMod val="75000"/>
+                  </a:schemeClr>
+                </a:solidFill>
+              </a:rPr>
+              <a:t>get</a:t>
+            </a:r>
+            <a:r>
+              <a:rPr lang="en-US" sz="3600" dirty="0"/>
+              <a:t> </a:t>
+            </a:r>
+            <a:r>
+              <a:rPr lang="ru-RU" sz="3600" dirty="0"/>
+              <a:t>и </a:t>
+            </a:r>
+            <a:r>
+              <a:rPr lang="en-US" sz="3600" b="1" dirty="0">
+                <a:solidFill>
+                  <a:srgbClr val="00B050"/>
+                </a:solidFill>
+              </a:rPr>
+              <a:t>set</a:t>
+            </a:r>
+            <a:r>
+              <a:rPr lang="en-US" sz="3600" dirty="0"/>
+              <a:t> </a:t>
+            </a:r>
+            <a:r>
+              <a:rPr lang="ru-RU" sz="3600" dirty="0"/>
+              <a:t>методы) – узнайте о них по подробнее. </a:t>
+            </a:r>
+          </a:p>
+        </p:txBody>
+      </p:sp>
+      <p:sp>
+        <p:nvSpPr>
+          <p:cNvPr id="7" name="TextBox 6"/>
           <p:cNvSpPr txBox="1"/>
           <p:nvPr/>
         </p:nvSpPr>
         <p:spPr>
           <a:xfrm>
-            <a:off x="1" y="6165304"/>
-            <a:ext cx="12191999" cy="369332"/>
+            <a:off x="3935761" y="1628800"/>
+            <a:ext cx="184731" cy="369332"/>
           </a:xfrm>
           <a:prstGeom prst="rect">
             <a:avLst/>
@@ -13828,64 +13691,19 @@
           <a:noFill/>
         </p:spPr>
         <p:txBody>
-          <a:bodyPr wrap="square" rtlCol="0">
+          <a:bodyPr wrap="none" rtlCol="0">
             <a:spAutoFit/>
           </a:bodyPr>
           <a:lstStyle/>
           <a:p>
-            <a:pPr algn="ctr"/>
-            <a:r>
-              <a:rPr lang="ru-RU" b="1" dirty="0"/>
-              <a:t>Подробнее: </a:t>
-            </a:r>
-            <a:r>
-              <a:rPr lang="en-US" b="1" dirty="0">
-                <a:hlinkClick r:id="rId2"/>
-              </a:rPr>
-              <a:t>https://developer.mozilla.org/ru/docs/Web/API/Console/assert</a:t>
-            </a:r>
-            <a:endParaRPr lang="ru-RU" b="1" dirty="0"/>
-          </a:p>
-        </p:txBody>
-      </p:sp>
-      <p:pic>
-        <p:nvPicPr>
-          <p:cNvPr id="3" name="Рисунок 2"/>
-          <p:cNvPicPr>
-            <a:picLocks noChangeAspect="1"/>
-          </p:cNvPicPr>
-          <p:nvPr/>
-        </p:nvPicPr>
-        <p:blipFill>
-          <a:blip r:embed="rId3"/>
-          <a:stretch>
-            <a:fillRect/>
-          </a:stretch>
-        </p:blipFill>
-        <p:spPr>
-          <a:xfrm>
-            <a:off x="2193405" y="990600"/>
-            <a:ext cx="7805191" cy="3590528"/>
-          </a:xfrm>
-          <a:prstGeom prst="rect">
-            <a:avLst/>
-          </a:prstGeom>
-          <a:ln>
-            <a:noFill/>
-          </a:ln>
-          <a:effectLst>
-            <a:outerShdw blurRad="292100" dist="139700" dir="2700000" algn="tl" rotWithShape="0">
-              <a:srgbClr val="333333">
-                <a:alpha val="65000"/>
-              </a:srgbClr>
-            </a:outerShdw>
-          </a:effectLst>
-        </p:spPr>
-      </p:pic>
+            <a:endParaRPr lang="ru-RU" dirty="0"/>
+          </a:p>
+        </p:txBody>
+      </p:sp>
     </p:spTree>
     <p:extLst>
       <p:ext uri="{BB962C8B-B14F-4D97-AF65-F5344CB8AC3E}">
-        <p14:creationId xmlns:p14="http://schemas.microsoft.com/office/powerpoint/2010/main" val="316371881"/>
+        <p14:creationId xmlns:p14="http://schemas.microsoft.com/office/powerpoint/2010/main" val="1098042567"/>
       </p:ext>
     </p:extLst>
   </p:cSld>
@@ -13914,55 +13732,306 @@
       </p:grpSpPr>
       <p:sp>
         <p:nvSpPr>
-          <p:cNvPr id="5" name="Прямоугольник 4"/>
-          <p:cNvSpPr/>
+          <p:cNvPr id="6" name="Номер слайда 36"/>
+          <p:cNvSpPr txBox="1">
+            <a:spLocks/>
+          </p:cNvSpPr>
           <p:nvPr/>
         </p:nvSpPr>
         <p:spPr>
           <a:xfrm>
-            <a:off x="0" y="0"/>
-            <a:ext cx="12192000" cy="6858000"/>
-          </a:xfrm>
-          <a:prstGeom prst="rect">
-            <a:avLst/>
-          </a:prstGeom>
-          <a:solidFill>
-            <a:srgbClr val="002060"/>
-          </a:solidFill>
+            <a:off x="11280576" y="6237312"/>
+            <a:ext cx="648072" cy="432048"/>
+          </a:xfrm>
+          <a:prstGeom prst="roundRect">
+            <a:avLst/>
+          </a:prstGeom>
+          <a:ln w="25400" cap="flat" cmpd="sng" algn="ctr">
+            <a:solidFill>
+              <a:schemeClr val="tx2">
+                <a:lumMod val="60000"/>
+                <a:lumOff val="40000"/>
+              </a:schemeClr>
+            </a:solidFill>
+            <a:prstDash val="solid"/>
+          </a:ln>
         </p:spPr>
         <p:style>
           <a:lnRef idx="2">
-            <a:schemeClr val="accent1">
-              <a:shade val="50000"/>
-            </a:schemeClr>
+            <a:schemeClr val="accent1"/>
           </a:lnRef>
           <a:fillRef idx="1">
-            <a:schemeClr val="accent1"/>
+            <a:schemeClr val="lt1"/>
           </a:fillRef>
           <a:effectRef idx="0">
             <a:schemeClr val="accent1"/>
           </a:effectRef>
           <a:fontRef idx="minor">
-            <a:schemeClr val="lt1"/>
+            <a:schemeClr val="dk1"/>
           </a:fontRef>
         </p:style>
         <p:txBody>
-          <a:bodyPr rtlCol="0" anchor="ctr"/>
-          <a:lstStyle/>
-          <a:p>
-            <a:pPr algn="ctr"/>
-            <a:r>
-              <a:rPr lang="ru-RU" sz="6000" b="1" dirty="0"/>
-              <a:t>Будет полезным</a:t>
-            </a:r>
-            <a:endParaRPr lang="uk-UA" sz="6000" b="1" dirty="0"/>
+          <a:bodyPr vert="horz" lIns="91440" tIns="45720" rIns="91440" bIns="45720" rtlCol="0" anchor="ctr"/>
+          <a:lstStyle/>
+          <a:p>
+            <a:pPr algn="ctr">
+              <a:defRPr/>
+            </a:pPr>
+            <a:fld id="{6389AA22-90B4-448C-8B6B-C699140D38B9}" type="slidenum">
+              <a:rPr lang="uk-UA" sz="2400" b="1">
+                <a:solidFill>
+                  <a:schemeClr val="bg1">
+                    <a:lumMod val="50000"/>
+                  </a:schemeClr>
+                </a:solidFill>
+              </a:rPr>
+              <a:pPr algn="ctr">
+                <a:defRPr/>
+              </a:pPr>
+              <a:t>42</a:t>
+            </a:fld>
+            <a:endParaRPr lang="uk-UA" sz="2400" b="1" dirty="0">
+              <a:solidFill>
+                <a:schemeClr val="bg1">
+                  <a:lumMod val="50000"/>
+                </a:schemeClr>
+              </a:solidFill>
+            </a:endParaRPr>
+          </a:p>
+        </p:txBody>
+      </p:sp>
+      <p:sp>
+        <p:nvSpPr>
+          <p:cNvPr id="3" name="Заголовок 4"/>
+          <p:cNvSpPr>
+            <a:spLocks noGrp="1"/>
+          </p:cNvSpPr>
+          <p:nvPr>
+            <p:ph type="title"/>
+          </p:nvPr>
+        </p:nvSpPr>
+        <p:spPr>
+          <a:xfrm>
+            <a:off x="0" y="476672"/>
+            <a:ext cx="12192000" cy="710952"/>
+          </a:xfrm>
+        </p:spPr>
+        <p:txBody>
+          <a:bodyPr>
+            <a:normAutofit/>
+          </a:bodyPr>
+          <a:lstStyle/>
+          <a:p>
+            <a:r>
+              <a:rPr lang="ru-RU" sz="4000" b="1" dirty="0"/>
+              <a:t>Обработка исключений (</a:t>
+            </a:r>
+            <a:r>
+              <a:rPr lang="en-US" sz="4000" b="1" dirty="0">
+                <a:solidFill>
+                  <a:schemeClr val="accent6">
+                    <a:lumMod val="75000"/>
+                  </a:schemeClr>
+                </a:solidFill>
+              </a:rPr>
+              <a:t>Exceptions</a:t>
+            </a:r>
+            <a:r>
+              <a:rPr lang="ru-RU" sz="4000" b="1" dirty="0"/>
+              <a:t>)</a:t>
+            </a:r>
+          </a:p>
+        </p:txBody>
+      </p:sp>
+      <p:sp>
+        <p:nvSpPr>
+          <p:cNvPr id="5" name="TextBox 4"/>
+          <p:cNvSpPr txBox="1"/>
+          <p:nvPr/>
+        </p:nvSpPr>
+        <p:spPr>
+          <a:xfrm>
+            <a:off x="2387588" y="1628800"/>
+            <a:ext cx="7416824" cy="4401205"/>
+          </a:xfrm>
+          <a:prstGeom prst="rect">
+            <a:avLst/>
+          </a:prstGeom>
+          <a:noFill/>
+        </p:spPr>
+        <p:txBody>
+          <a:bodyPr wrap="square" rtlCol="0">
+            <a:spAutoFit/>
+          </a:bodyPr>
+          <a:lstStyle/>
+          <a:p>
+            <a:r>
+              <a:rPr lang="ru-RU" sz="2800" dirty="0"/>
+              <a:t>Узнайте о блоках обработки </a:t>
+            </a:r>
+            <a:r>
+              <a:rPr lang="ru-RU" sz="2800" b="1" dirty="0"/>
+              <a:t>исключительных ситуаций </a:t>
+            </a:r>
+            <a:r>
+              <a:rPr lang="ru-RU" sz="2800" dirty="0"/>
+              <a:t>в </a:t>
+            </a:r>
+            <a:r>
+              <a:rPr lang="en-US" sz="2800" dirty="0"/>
+              <a:t>JavaScript </a:t>
+            </a:r>
+            <a:r>
+              <a:rPr lang="ru-RU" sz="2800" dirty="0"/>
+              <a:t>и об операторе </a:t>
+            </a:r>
+            <a:r>
+              <a:rPr lang="en-US" sz="2800" b="1" dirty="0"/>
+              <a:t>throw</a:t>
+            </a:r>
+            <a:r>
+              <a:rPr lang="en-US" sz="2800" dirty="0"/>
+              <a:t>.</a:t>
+            </a:r>
+            <a:br>
+              <a:rPr lang="en-US" sz="2800" dirty="0"/>
+            </a:br>
+            <a:r>
+              <a:rPr lang="ru-RU" sz="2800" dirty="0"/>
+              <a:t> </a:t>
+            </a:r>
+            <a:br>
+              <a:rPr lang="en-US" sz="2800" dirty="0"/>
+            </a:br>
+            <a:r>
+              <a:rPr lang="en-US" sz="2800" b="1" dirty="0">
+                <a:solidFill>
+                  <a:schemeClr val="bg1">
+                    <a:lumMod val="65000"/>
+                  </a:schemeClr>
+                </a:solidFill>
+                <a:latin typeface="Courier New" panose="02070309020205020404" pitchFamily="49" charset="0"/>
+                <a:cs typeface="Courier New" panose="02070309020205020404" pitchFamily="49" charset="0"/>
+              </a:rPr>
+              <a:t>try {</a:t>
+            </a:r>
+          </a:p>
+          <a:p>
+            <a:endParaRPr lang="en-US" sz="2800" b="1" dirty="0">
+              <a:solidFill>
+                <a:schemeClr val="bg1">
+                  <a:lumMod val="65000"/>
+                </a:schemeClr>
+              </a:solidFill>
+              <a:latin typeface="Courier New" panose="02070309020205020404" pitchFamily="49" charset="0"/>
+              <a:cs typeface="Courier New" panose="02070309020205020404" pitchFamily="49" charset="0"/>
+            </a:endParaRPr>
+          </a:p>
+          <a:p>
+            <a:r>
+              <a:rPr lang="en-US" sz="2800" b="1" dirty="0">
+                <a:solidFill>
+                  <a:schemeClr val="bg1">
+                    <a:lumMod val="65000"/>
+                  </a:schemeClr>
+                </a:solidFill>
+                <a:latin typeface="Courier New" panose="02070309020205020404" pitchFamily="49" charset="0"/>
+                <a:cs typeface="Courier New" panose="02070309020205020404" pitchFamily="49" charset="0"/>
+              </a:rPr>
+              <a:t>}catch(…){</a:t>
+            </a:r>
+          </a:p>
+          <a:p>
+            <a:endParaRPr lang="en-US" sz="2800" b="1" dirty="0">
+              <a:solidFill>
+                <a:schemeClr val="bg1">
+                  <a:lumMod val="65000"/>
+                </a:schemeClr>
+              </a:solidFill>
+              <a:latin typeface="Courier New" panose="02070309020205020404" pitchFamily="49" charset="0"/>
+              <a:cs typeface="Courier New" panose="02070309020205020404" pitchFamily="49" charset="0"/>
+            </a:endParaRPr>
+          </a:p>
+          <a:p>
+            <a:r>
+              <a:rPr lang="en-US" sz="2800" b="1" dirty="0">
+                <a:solidFill>
+                  <a:schemeClr val="bg1">
+                    <a:lumMod val="65000"/>
+                  </a:schemeClr>
+                </a:solidFill>
+                <a:latin typeface="Courier New" panose="02070309020205020404" pitchFamily="49" charset="0"/>
+                <a:cs typeface="Courier New" panose="02070309020205020404" pitchFamily="49" charset="0"/>
+              </a:rPr>
+              <a:t>}finally{</a:t>
+            </a:r>
+          </a:p>
+          <a:p>
+            <a:endParaRPr lang="en-US" sz="2800" b="1" dirty="0">
+              <a:solidFill>
+                <a:schemeClr val="bg1">
+                  <a:lumMod val="65000"/>
+                </a:schemeClr>
+              </a:solidFill>
+              <a:latin typeface="Courier New" panose="02070309020205020404" pitchFamily="49" charset="0"/>
+              <a:cs typeface="Courier New" panose="02070309020205020404" pitchFamily="49" charset="0"/>
+            </a:endParaRPr>
+          </a:p>
+          <a:p>
+            <a:r>
+              <a:rPr lang="en-US" sz="2800" b="1" dirty="0">
+                <a:solidFill>
+                  <a:schemeClr val="bg1">
+                    <a:lumMod val="65000"/>
+                  </a:schemeClr>
+                </a:solidFill>
+                <a:latin typeface="Courier New" panose="02070309020205020404" pitchFamily="49" charset="0"/>
+                <a:cs typeface="Courier New" panose="02070309020205020404" pitchFamily="49" charset="0"/>
+              </a:rPr>
+              <a:t>}</a:t>
+            </a:r>
+            <a:endParaRPr lang="ru-RU" sz="2800" b="1" dirty="0">
+              <a:solidFill>
+                <a:schemeClr val="bg1">
+                  <a:lumMod val="65000"/>
+                </a:schemeClr>
+              </a:solidFill>
+              <a:latin typeface="Courier New" panose="02070309020205020404" pitchFamily="49" charset="0"/>
+              <a:cs typeface="Courier New" panose="02070309020205020404" pitchFamily="49" charset="0"/>
+            </a:endParaRPr>
+          </a:p>
+        </p:txBody>
+      </p:sp>
+      <p:sp>
+        <p:nvSpPr>
+          <p:cNvPr id="7" name="TextBox 6"/>
+          <p:cNvSpPr txBox="1"/>
+          <p:nvPr/>
+        </p:nvSpPr>
+        <p:spPr>
+          <a:xfrm>
+            <a:off x="3935761" y="1628800"/>
+            <a:ext cx="184731" cy="369332"/>
+          </a:xfrm>
+          <a:prstGeom prst="rect">
+            <a:avLst/>
+          </a:prstGeom>
+          <a:noFill/>
+        </p:spPr>
+        <p:txBody>
+          <a:bodyPr wrap="none" rtlCol="0">
+            <a:spAutoFit/>
+          </a:bodyPr>
+          <a:lstStyle/>
+          <a:p>
+            <a:endParaRPr lang="ru-RU" dirty="0"/>
           </a:p>
         </p:txBody>
       </p:sp>
     </p:spTree>
     <p:extLst>
       <p:ext uri="{BB962C8B-B14F-4D97-AF65-F5344CB8AC3E}">
-        <p14:creationId xmlns:p14="http://schemas.microsoft.com/office/powerpoint/2010/main" val="1158722151"/>
+        <p14:creationId xmlns:p14="http://schemas.microsoft.com/office/powerpoint/2010/main" val="1448568263"/>
       </p:ext>
     </p:extLst>
   </p:cSld>
@@ -13997,109 +14066,49 @@
         </p:nvSpPr>
         <p:spPr>
           <a:xfrm>
-            <a:off x="0" y="6021288"/>
-            <a:ext cx="12192000" cy="461665"/>
+            <a:off x="0" y="0"/>
+            <a:ext cx="12192000" cy="6858000"/>
           </a:xfrm>
           <a:prstGeom prst="rect">
             <a:avLst/>
           </a:prstGeom>
-        </p:spPr>
-        <p:txBody>
-          <a:bodyPr wrap="square">
-            <a:spAutoFit/>
-          </a:bodyPr>
+          <a:solidFill>
+            <a:srgbClr val="002060"/>
+          </a:solidFill>
+        </p:spPr>
+        <p:style>
+          <a:lnRef idx="2">
+            <a:schemeClr val="accent1">
+              <a:shade val="50000"/>
+            </a:schemeClr>
+          </a:lnRef>
+          <a:fillRef idx="1">
+            <a:schemeClr val="accent1"/>
+          </a:fillRef>
+          <a:effectRef idx="0">
+            <a:schemeClr val="accent1"/>
+          </a:effectRef>
+          <a:fontRef idx="minor">
+            <a:schemeClr val="lt1"/>
+          </a:fontRef>
+        </p:style>
+        <p:txBody>
+          <a:bodyPr rtlCol="0" anchor="ctr"/>
           <a:lstStyle/>
           <a:p>
             <a:pPr algn="ctr"/>
             <a:r>
-              <a:rPr lang="ru-RU" sz="2400" b="1" dirty="0">
-                <a:hlinkClick r:id="rId2"/>
-              </a:rPr>
-              <a:t>https://habr.com/ru/company/mailru/blog/438286/</a:t>
-            </a:r>
-            <a:endParaRPr lang="ru-RU" dirty="0"/>
-          </a:p>
-        </p:txBody>
-      </p:sp>
-      <p:pic>
-        <p:nvPicPr>
-          <p:cNvPr id="1026" name="Picture 2" descr="https://habrastorage.org/getpro/habr/post_images/540/5d5/588/5405d55887909032bc8016afe3f65796.jpg"/>
-          <p:cNvPicPr>
-            <a:picLocks noChangeAspect="1" noChangeArrowheads="1"/>
-          </p:cNvPicPr>
-          <p:nvPr/>
-        </p:nvPicPr>
-        <p:blipFill>
-          <a:blip r:embed="rId3">
-            <a:extLst>
-              <a:ext uri="{28A0092B-C50C-407E-A947-70E740481C1C}">
-                <a14:useLocalDpi xmlns:a14="http://schemas.microsoft.com/office/drawing/2010/main" val="0"/>
-              </a:ext>
-            </a:extLst>
-          </a:blip>
-          <a:srcRect/>
-          <a:stretch>
-            <a:fillRect/>
-          </a:stretch>
-        </p:blipFill>
-        <p:spPr bwMode="auto">
-          <a:xfrm>
-            <a:off x="2217204" y="1124744"/>
-            <a:ext cx="7757592" cy="4745060"/>
-          </a:xfrm>
-          <a:prstGeom prst="rect">
-            <a:avLst/>
-          </a:prstGeom>
-          <a:noFill/>
-          <a:extLst>
-            <a:ext uri="{909E8E84-426E-40DD-AFC4-6F175D3DCCD1}">
-              <a14:hiddenFill xmlns:a14="http://schemas.microsoft.com/office/drawing/2010/main">
-                <a:solidFill>
-                  <a:srgbClr val="FFFFFF"/>
-                </a:solidFill>
-              </a14:hiddenFill>
-            </a:ext>
-          </a:extLst>
-        </p:spPr>
-      </p:pic>
-      <p:sp>
-        <p:nvSpPr>
-          <p:cNvPr id="3" name="Прямоугольник 2"/>
-          <p:cNvSpPr/>
-          <p:nvPr/>
-        </p:nvSpPr>
-        <p:spPr>
-          <a:xfrm>
-            <a:off x="0" y="332656"/>
-            <a:ext cx="12192000" cy="584775"/>
-          </a:xfrm>
-          <a:prstGeom prst="rect">
-            <a:avLst/>
-          </a:prstGeom>
-        </p:spPr>
-        <p:txBody>
-          <a:bodyPr wrap="square">
-            <a:spAutoFit/>
-          </a:bodyPr>
-          <a:lstStyle/>
-          <a:p>
-            <a:pPr algn="ctr"/>
-            <a:r>
-              <a:rPr lang="ru-RU" sz="3200" b="1" dirty="0"/>
-              <a:t>Работа с часовыми поясами в </a:t>
-            </a:r>
-            <a:r>
-              <a:rPr lang="ru-RU" sz="3200" b="1" dirty="0" err="1"/>
-              <a:t>JavaScript</a:t>
-            </a:r>
-            <a:endParaRPr lang="ru-RU" sz="3200" b="1" dirty="0"/>
+              <a:rPr lang="ru-RU" sz="6000" b="1" dirty="0"/>
+              <a:t>К следующему занятию будет полезно почитать о…</a:t>
+            </a:r>
+            <a:endParaRPr lang="uk-UA" sz="6000" b="1" dirty="0"/>
           </a:p>
         </p:txBody>
       </p:sp>
     </p:spTree>
     <p:extLst>
       <p:ext uri="{BB962C8B-B14F-4D97-AF65-F5344CB8AC3E}">
-        <p14:creationId xmlns:p14="http://schemas.microsoft.com/office/powerpoint/2010/main" val="747592639"/>
+        <p14:creationId xmlns:p14="http://schemas.microsoft.com/office/powerpoint/2010/main" val="388518476"/>
       </p:ext>
     </p:extLst>
   </p:cSld>
@@ -14128,134 +14137,134 @@
       </p:grpSpPr>
       <p:sp>
         <p:nvSpPr>
-          <p:cNvPr id="6" name="Номер слайда 36"/>
-          <p:cNvSpPr txBox="1">
-            <a:spLocks/>
-          </p:cNvSpPr>
+          <p:cNvPr id="3" name="TextBox 2"/>
+          <p:cNvSpPr txBox="1"/>
           <p:nvPr/>
         </p:nvSpPr>
         <p:spPr>
           <a:xfrm>
-            <a:off x="11280576" y="6237312"/>
-            <a:ext cx="648072" cy="432048"/>
-          </a:xfrm>
-          <a:prstGeom prst="roundRect">
-            <a:avLst/>
-          </a:prstGeom>
-          <a:ln w="25400" cap="flat" cmpd="sng" algn="ctr">
-            <a:solidFill>
-              <a:schemeClr val="tx2">
-                <a:lumMod val="60000"/>
-                <a:lumOff val="40000"/>
-              </a:schemeClr>
-            </a:solidFill>
-            <a:prstDash val="solid"/>
-          </a:ln>
-        </p:spPr>
-        <p:style>
-          <a:lnRef idx="2">
-            <a:schemeClr val="accent1"/>
-          </a:lnRef>
-          <a:fillRef idx="1">
-            <a:schemeClr val="lt1"/>
-          </a:fillRef>
-          <a:effectRef idx="0">
-            <a:schemeClr val="accent1"/>
-          </a:effectRef>
-          <a:fontRef idx="minor">
-            <a:schemeClr val="dk1"/>
-          </a:fontRef>
-        </p:style>
-        <p:txBody>
-          <a:bodyPr vert="horz" lIns="91440" tIns="45720" rIns="91440" bIns="45720" rtlCol="0" anchor="ctr"/>
-          <a:lstStyle/>
-          <a:p>
-            <a:pPr algn="ctr">
-              <a:defRPr/>
+            <a:off x="695400" y="1628800"/>
+            <a:ext cx="11161240" cy="4401205"/>
+          </a:xfrm>
+          <a:prstGeom prst="rect">
+            <a:avLst/>
+          </a:prstGeom>
+          <a:noFill/>
+        </p:spPr>
+        <p:txBody>
+          <a:bodyPr wrap="square" rtlCol="0">
+            <a:spAutoFit/>
+          </a:bodyPr>
+          <a:lstStyle/>
+          <a:p>
+            <a:pPr marL="514350" indent="-514350">
+              <a:buAutoNum type="arabicPeriod"/>
             </a:pPr>
-            <a:fld id="{6389AA22-90B4-448C-8B6B-C699140D38B9}" type="slidenum">
-              <a:rPr lang="uk-UA" sz="2400" b="1">
-                <a:solidFill>
-                  <a:schemeClr val="bg1">
-                    <a:lumMod val="50000"/>
-                  </a:schemeClr>
-                </a:solidFill>
-              </a:rPr>
-              <a:pPr algn="ctr">
-                <a:defRPr/>
-              </a:pPr>
-              <a:t>44</a:t>
-            </a:fld>
-            <a:endParaRPr lang="uk-UA" sz="2400" b="1" dirty="0">
-              <a:solidFill>
-                <a:schemeClr val="bg1">
-                  <a:lumMod val="50000"/>
-                </a:schemeClr>
-              </a:solidFill>
-            </a:endParaRPr>
-          </a:p>
-        </p:txBody>
-      </p:sp>
-      <p:sp>
-        <p:nvSpPr>
-          <p:cNvPr id="3" name="Заголовок 4"/>
-          <p:cNvSpPr>
-            <a:spLocks noGrp="1"/>
-          </p:cNvSpPr>
-          <p:nvPr>
-            <p:ph type="title"/>
-          </p:nvPr>
-        </p:nvSpPr>
-        <p:spPr>
-          <a:xfrm>
-            <a:off x="0" y="836712"/>
-            <a:ext cx="12192000" cy="710952"/>
-          </a:xfrm>
-        </p:spPr>
-        <p:txBody>
-          <a:bodyPr>
-            <a:normAutofit/>
-          </a:bodyPr>
-          <a:lstStyle/>
-          <a:p>
+            <a:r>
+              <a:rPr lang="ru-RU" sz="4000" dirty="0"/>
+              <a:t>Объект</a:t>
+            </a:r>
+            <a:r>
+              <a:rPr lang="ru-RU" sz="4000" b="1" dirty="0"/>
+              <a:t> </a:t>
+            </a:r>
             <a:r>
               <a:rPr lang="en-US" sz="4000" b="1" dirty="0">
+                <a:solidFill>
+                  <a:srgbClr val="0070C0"/>
+                </a:solidFill>
+              </a:rPr>
+              <a:t>Promise</a:t>
+            </a:r>
+            <a:r>
+              <a:rPr lang="ru-RU" sz="4000" dirty="0"/>
+              <a:t>;</a:t>
+            </a:r>
+            <a:br>
+              <a:rPr lang="ru-RU" sz="4000" dirty="0"/>
+            </a:br>
+            <a:endParaRPr lang="ru-RU" sz="4000" dirty="0"/>
+          </a:p>
+          <a:p>
+            <a:pPr marL="514350" indent="-514350">
+              <a:buAutoNum type="arabicPeriod"/>
+            </a:pPr>
+            <a:r>
+              <a:rPr lang="ru-RU" sz="4000" dirty="0"/>
+              <a:t>Оператор</a:t>
+            </a:r>
+            <a:r>
+              <a:rPr lang="ru-RU" sz="4000" b="1" dirty="0"/>
+              <a:t> </a:t>
+            </a:r>
+            <a:r>
+              <a:rPr lang="en-US" sz="4000" b="1" dirty="0" err="1">
                 <a:solidFill>
                   <a:schemeClr val="accent6">
                     <a:lumMod val="75000"/>
                   </a:schemeClr>
                 </a:solidFill>
               </a:rPr>
-              <a:t>GET</a:t>
-            </a:r>
-            <a:r>
-              <a:rPr lang="en-US" sz="4000" b="1" dirty="0"/>
-              <a:t>/</a:t>
+              <a:t>async</a:t>
+            </a:r>
+            <a:r>
+              <a:rPr lang="en-US" sz="4000" dirty="0"/>
+              <a:t>;</a:t>
+            </a:r>
+            <a:br>
+              <a:rPr lang="ru-RU" sz="4000" dirty="0"/>
+            </a:br>
+            <a:endParaRPr lang="ru-RU" sz="4000" dirty="0"/>
+          </a:p>
+          <a:p>
+            <a:pPr marL="514350" indent="-514350">
+              <a:buAutoNum type="arabicPeriod"/>
+            </a:pPr>
+            <a:r>
+              <a:rPr lang="ru-RU" sz="4000" dirty="0"/>
+              <a:t>Оператор </a:t>
             </a:r>
             <a:r>
               <a:rPr lang="en-US" sz="4000" b="1" dirty="0">
                 <a:solidFill>
+                  <a:srgbClr val="7030A0"/>
+                </a:solidFill>
+              </a:rPr>
+              <a:t>await</a:t>
+            </a:r>
+            <a:r>
+              <a:rPr lang="ru-RU" sz="4000" dirty="0"/>
+              <a:t>;</a:t>
+            </a:r>
+            <a:endParaRPr lang="en-US" sz="4000" dirty="0"/>
+          </a:p>
+          <a:p>
+            <a:pPr marL="514350" indent="-514350">
+              <a:buAutoNum type="arabicPeriod"/>
+            </a:pPr>
+            <a:endParaRPr lang="en-US" sz="4000" dirty="0"/>
+          </a:p>
+          <a:p>
+            <a:pPr marL="514350" indent="-514350">
+              <a:buAutoNum type="arabicPeriod"/>
+            </a:pPr>
+            <a:r>
+              <a:rPr lang="ru-RU" sz="4000" dirty="0"/>
+              <a:t>Установите (если еще не установили) </a:t>
+            </a:r>
+            <a:r>
+              <a:rPr lang="en-US" sz="4000" b="1" dirty="0">
+                <a:solidFill>
                   <a:srgbClr val="00B050"/>
                 </a:solidFill>
               </a:rPr>
-              <a:t>SET</a:t>
-            </a:r>
-            <a:r>
-              <a:rPr lang="en-US" sz="4000" b="1" dirty="0"/>
-              <a:t> </a:t>
-            </a:r>
-            <a:r>
-              <a:rPr lang="ru-RU" sz="4000" b="1" dirty="0"/>
-              <a:t>методы</a:t>
-            </a:r>
-            <a:r>
-              <a:rPr lang="en-US" sz="4000" b="1" dirty="0"/>
-              <a:t> </a:t>
-            </a:r>
-            <a:r>
-              <a:rPr lang="ru-RU" sz="4000" b="1" dirty="0"/>
-              <a:t>у объекта</a:t>
-            </a:r>
+              <a:t>Node.JS</a:t>
+            </a:r>
+            <a:endParaRPr lang="ru-RU" sz="4000" b="1" dirty="0">
+              <a:solidFill>
+                <a:srgbClr val="00B050"/>
+              </a:solidFill>
+            </a:endParaRPr>
           </a:p>
         </p:txBody>
       </p:sp>
@@ -14267,8 +14276,8 @@
         </p:nvSpPr>
         <p:spPr>
           <a:xfrm>
-            <a:off x="2495600" y="2636912"/>
-            <a:ext cx="7416824" cy="2308324"/>
+            <a:off x="-1" y="427311"/>
+            <a:ext cx="12192001" cy="769441"/>
           </a:xfrm>
           <a:prstGeom prst="rect">
             <a:avLst/>
@@ -14281,109 +14290,18 @@
           </a:bodyPr>
           <a:lstStyle/>
           <a:p>
-            <a:r>
-              <a:rPr lang="ru-RU" sz="3600" dirty="0"/>
-              <a:t>В составе объектов в </a:t>
-            </a:r>
-            <a:r>
-              <a:rPr lang="en-US" sz="3600" dirty="0"/>
-              <a:t>JavaScript </a:t>
-            </a:r>
-            <a:r>
-              <a:rPr lang="ru-RU" sz="3600" dirty="0"/>
-              <a:t>могут</a:t>
-            </a:r>
-            <a:r>
-              <a:rPr lang="en-US" sz="3600" dirty="0"/>
-              <a:t> </a:t>
-            </a:r>
-            <a:r>
-              <a:rPr lang="ru-RU" sz="3600" dirty="0"/>
-              <a:t>использоваться т.н. </a:t>
-            </a:r>
-            <a:r>
-              <a:rPr lang="ru-RU" sz="3600" b="1" dirty="0"/>
-              <a:t>геттеры</a:t>
-            </a:r>
-            <a:r>
-              <a:rPr lang="ru-RU" sz="3600" dirty="0"/>
-              <a:t> и </a:t>
-            </a:r>
-            <a:r>
-              <a:rPr lang="ru-RU" sz="3600" b="1" dirty="0"/>
-              <a:t>сеттеры</a:t>
-            </a:r>
-            <a:r>
-              <a:rPr lang="ru-RU" sz="3600" dirty="0"/>
-              <a:t> (</a:t>
-            </a:r>
-            <a:r>
-              <a:rPr lang="en-US" sz="3600" b="1" dirty="0">
-                <a:solidFill>
-                  <a:schemeClr val="accent6">
-                    <a:lumMod val="75000"/>
-                  </a:schemeClr>
-                </a:solidFill>
-              </a:rPr>
-              <a:t>get</a:t>
-            </a:r>
-            <a:r>
-              <a:rPr lang="en-US" sz="3600" dirty="0"/>
-              <a:t> </a:t>
-            </a:r>
-            <a:r>
-              <a:rPr lang="ru-RU" sz="3600" dirty="0"/>
-              <a:t>и </a:t>
-            </a:r>
-            <a:r>
-              <a:rPr lang="en-US" sz="3600" b="1" dirty="0">
-                <a:solidFill>
-                  <a:srgbClr val="00B050"/>
-                </a:solidFill>
-              </a:rPr>
-              <a:t>set</a:t>
-            </a:r>
-            <a:r>
-              <a:rPr lang="en-US" sz="3600" dirty="0"/>
-              <a:t> </a:t>
-            </a:r>
-            <a:r>
-              <a:rPr lang="ru-RU" sz="3600" dirty="0"/>
-              <a:t>методы) – узнайте о них по подробнее. </a:t>
-            </a:r>
-          </a:p>
-        </p:txBody>
-      </p:sp>
-      <p:sp>
-        <p:nvSpPr>
-          <p:cNvPr id="7" name="TextBox 6"/>
-          <p:cNvSpPr txBox="1"/>
-          <p:nvPr/>
-        </p:nvSpPr>
-        <p:spPr>
-          <a:xfrm>
-            <a:off x="3935761" y="1628800"/>
-            <a:ext cx="184731" cy="369332"/>
-          </a:xfrm>
-          <a:prstGeom prst="rect">
-            <a:avLst/>
-          </a:prstGeom>
-          <a:noFill/>
-        </p:spPr>
-        <p:txBody>
-          <a:bodyPr wrap="none" rtlCol="0">
-            <a:spAutoFit/>
-          </a:bodyPr>
-          <a:lstStyle/>
-          <a:p>
-            <a:endParaRPr lang="ru-RU" dirty="0"/>
+            <a:pPr algn="ctr"/>
+            <a:r>
+              <a:rPr lang="ru-RU" sz="4400" b="1" dirty="0"/>
+              <a:t>К следующему занятию…</a:t>
+            </a:r>
           </a:p>
         </p:txBody>
       </p:sp>
     </p:spTree>
     <p:extLst>
       <p:ext uri="{BB962C8B-B14F-4D97-AF65-F5344CB8AC3E}">
-        <p14:creationId xmlns:p14="http://schemas.microsoft.com/office/powerpoint/2010/main" val="1098042567"/>
+        <p14:creationId xmlns:p14="http://schemas.microsoft.com/office/powerpoint/2010/main" val="3111026985"/>
       </p:ext>
     </p:extLst>
   </p:cSld>
@@ -14412,306 +14330,66 @@
       </p:grpSpPr>
       <p:sp>
         <p:nvSpPr>
-          <p:cNvPr id="6" name="Номер слайда 36"/>
-          <p:cNvSpPr txBox="1">
-            <a:spLocks/>
-          </p:cNvSpPr>
+          <p:cNvPr id="5" name="Прямоугольник 4"/>
+          <p:cNvSpPr/>
           <p:nvPr/>
         </p:nvSpPr>
         <p:spPr>
           <a:xfrm>
-            <a:off x="11280576" y="6237312"/>
-            <a:ext cx="648072" cy="432048"/>
-          </a:xfrm>
-          <a:prstGeom prst="roundRect">
-            <a:avLst/>
-          </a:prstGeom>
-          <a:ln w="25400" cap="flat" cmpd="sng" algn="ctr">
-            <a:solidFill>
-              <a:schemeClr val="tx2">
-                <a:lumMod val="60000"/>
-                <a:lumOff val="40000"/>
-              </a:schemeClr>
-            </a:solidFill>
-            <a:prstDash val="solid"/>
-          </a:ln>
+            <a:off x="0" y="0"/>
+            <a:ext cx="12192000" cy="6858000"/>
+          </a:xfrm>
+          <a:prstGeom prst="rect">
+            <a:avLst/>
+          </a:prstGeom>
+          <a:solidFill>
+            <a:srgbClr val="002060"/>
+          </a:solidFill>
         </p:spPr>
         <p:style>
           <a:lnRef idx="2">
-            <a:schemeClr val="accent1"/>
+            <a:schemeClr val="accent1">
+              <a:shade val="50000"/>
+            </a:schemeClr>
           </a:lnRef>
           <a:fillRef idx="1">
-            <a:schemeClr val="lt1"/>
+            <a:schemeClr val="accent1"/>
           </a:fillRef>
           <a:effectRef idx="0">
             <a:schemeClr val="accent1"/>
           </a:effectRef>
           <a:fontRef idx="minor">
-            <a:schemeClr val="dk1"/>
+            <a:schemeClr val="lt1"/>
           </a:fontRef>
         </p:style>
         <p:txBody>
-          <a:bodyPr vert="horz" lIns="91440" tIns="45720" rIns="91440" bIns="45720" rtlCol="0" anchor="ctr"/>
-          <a:lstStyle/>
-          <a:p>
-            <a:pPr algn="ctr">
-              <a:defRPr/>
-            </a:pPr>
-            <a:fld id="{6389AA22-90B4-448C-8B6B-C699140D38B9}" type="slidenum">
-              <a:rPr lang="uk-UA" sz="2400" b="1">
-                <a:solidFill>
-                  <a:schemeClr val="bg1">
-                    <a:lumMod val="50000"/>
-                  </a:schemeClr>
-                </a:solidFill>
-              </a:rPr>
-              <a:pPr algn="ctr">
-                <a:defRPr/>
-              </a:pPr>
-              <a:t>45</a:t>
-            </a:fld>
-            <a:endParaRPr lang="uk-UA" sz="2400" b="1" dirty="0">
-              <a:solidFill>
-                <a:schemeClr val="bg1">
-                  <a:lumMod val="50000"/>
-                </a:schemeClr>
-              </a:solidFill>
-            </a:endParaRPr>
-          </a:p>
-        </p:txBody>
-      </p:sp>
-      <p:sp>
-        <p:nvSpPr>
-          <p:cNvPr id="3" name="Заголовок 4"/>
-          <p:cNvSpPr>
-            <a:spLocks noGrp="1"/>
-          </p:cNvSpPr>
-          <p:nvPr>
-            <p:ph type="title"/>
-          </p:nvPr>
-        </p:nvSpPr>
-        <p:spPr>
-          <a:xfrm>
-            <a:off x="0" y="476672"/>
-            <a:ext cx="12192000" cy="710952"/>
-          </a:xfrm>
-        </p:spPr>
-        <p:txBody>
-          <a:bodyPr>
-            <a:normAutofit/>
-          </a:bodyPr>
-          <a:lstStyle/>
-          <a:p>
-            <a:r>
-              <a:rPr lang="ru-RU" sz="4000" b="1" dirty="0"/>
-              <a:t>Обработка исключений (</a:t>
-            </a:r>
-            <a:r>
-              <a:rPr lang="en-US" sz="4000" b="1" dirty="0">
-                <a:solidFill>
-                  <a:schemeClr val="accent6">
-                    <a:lumMod val="75000"/>
-                  </a:schemeClr>
-                </a:solidFill>
-              </a:rPr>
-              <a:t>Exceptions</a:t>
-            </a:r>
-            <a:r>
-              <a:rPr lang="ru-RU" sz="4000" b="1" dirty="0"/>
-              <a:t>)</a:t>
-            </a:r>
-          </a:p>
-        </p:txBody>
-      </p:sp>
-      <p:sp>
-        <p:nvSpPr>
-          <p:cNvPr id="5" name="TextBox 4"/>
-          <p:cNvSpPr txBox="1"/>
-          <p:nvPr/>
-        </p:nvSpPr>
-        <p:spPr>
-          <a:xfrm>
-            <a:off x="2387588" y="1628800"/>
-            <a:ext cx="7416824" cy="4401205"/>
-          </a:xfrm>
-          <a:prstGeom prst="rect">
-            <a:avLst/>
-          </a:prstGeom>
-          <a:noFill/>
-        </p:spPr>
-        <p:txBody>
-          <a:bodyPr wrap="square" rtlCol="0">
-            <a:spAutoFit/>
-          </a:bodyPr>
-          <a:lstStyle/>
-          <a:p>
-            <a:r>
-              <a:rPr lang="ru-RU" sz="2800" dirty="0"/>
-              <a:t>Узнайте о блоках обработки </a:t>
-            </a:r>
-            <a:r>
-              <a:rPr lang="ru-RU" sz="2800" b="1" dirty="0"/>
-              <a:t>исключительных ситуаций </a:t>
-            </a:r>
-            <a:r>
-              <a:rPr lang="ru-RU" sz="2800" dirty="0"/>
-              <a:t>в </a:t>
-            </a:r>
-            <a:r>
-              <a:rPr lang="en-US" sz="2800" dirty="0"/>
-              <a:t>JavaScript </a:t>
-            </a:r>
-            <a:r>
-              <a:rPr lang="ru-RU" sz="2800" dirty="0"/>
-              <a:t>и об операторе </a:t>
-            </a:r>
-            <a:r>
-              <a:rPr lang="en-US" sz="2800" b="1" dirty="0"/>
-              <a:t>throw</a:t>
-            </a:r>
-            <a:r>
-              <a:rPr lang="en-US" sz="2800" dirty="0"/>
-              <a:t>.</a:t>
-            </a:r>
-            <a:br>
-              <a:rPr lang="en-US" sz="2800" dirty="0"/>
-            </a:br>
-            <a:r>
-              <a:rPr lang="ru-RU" sz="2800" dirty="0"/>
-              <a:t> </a:t>
-            </a:r>
-            <a:br>
-              <a:rPr lang="en-US" sz="2800" dirty="0"/>
-            </a:br>
-            <a:r>
-              <a:rPr lang="en-US" sz="2800" b="1" dirty="0">
-                <a:solidFill>
-                  <a:schemeClr val="bg1">
-                    <a:lumMod val="65000"/>
-                  </a:schemeClr>
-                </a:solidFill>
-                <a:latin typeface="Courier New" panose="02070309020205020404" pitchFamily="49" charset="0"/>
-                <a:cs typeface="Courier New" panose="02070309020205020404" pitchFamily="49" charset="0"/>
-              </a:rPr>
-              <a:t>try {</a:t>
-            </a:r>
-          </a:p>
-          <a:p>
-            <a:endParaRPr lang="en-US" sz="2800" b="1" dirty="0">
-              <a:solidFill>
-                <a:schemeClr val="bg1">
-                  <a:lumMod val="65000"/>
-                </a:schemeClr>
-              </a:solidFill>
-              <a:latin typeface="Courier New" panose="02070309020205020404" pitchFamily="49" charset="0"/>
-              <a:cs typeface="Courier New" panose="02070309020205020404" pitchFamily="49" charset="0"/>
-            </a:endParaRPr>
-          </a:p>
-          <a:p>
-            <a:r>
-              <a:rPr lang="en-US" sz="2800" b="1" dirty="0">
-                <a:solidFill>
-                  <a:schemeClr val="bg1">
-                    <a:lumMod val="65000"/>
-                  </a:schemeClr>
-                </a:solidFill>
-                <a:latin typeface="Courier New" panose="02070309020205020404" pitchFamily="49" charset="0"/>
-                <a:cs typeface="Courier New" panose="02070309020205020404" pitchFamily="49" charset="0"/>
-              </a:rPr>
-              <a:t>}catch(…){</a:t>
-            </a:r>
-          </a:p>
-          <a:p>
-            <a:endParaRPr lang="en-US" sz="2800" b="1" dirty="0">
-              <a:solidFill>
-                <a:schemeClr val="bg1">
-                  <a:lumMod val="65000"/>
-                </a:schemeClr>
-              </a:solidFill>
-              <a:latin typeface="Courier New" panose="02070309020205020404" pitchFamily="49" charset="0"/>
-              <a:cs typeface="Courier New" panose="02070309020205020404" pitchFamily="49" charset="0"/>
-            </a:endParaRPr>
-          </a:p>
-          <a:p>
-            <a:r>
-              <a:rPr lang="en-US" sz="2800" b="1" dirty="0">
-                <a:solidFill>
-                  <a:schemeClr val="bg1">
-                    <a:lumMod val="65000"/>
-                  </a:schemeClr>
-                </a:solidFill>
-                <a:latin typeface="Courier New" panose="02070309020205020404" pitchFamily="49" charset="0"/>
-                <a:cs typeface="Courier New" panose="02070309020205020404" pitchFamily="49" charset="0"/>
-              </a:rPr>
-              <a:t>}finally{</a:t>
-            </a:r>
-          </a:p>
-          <a:p>
-            <a:endParaRPr lang="en-US" sz="2800" b="1" dirty="0">
-              <a:solidFill>
-                <a:schemeClr val="bg1">
-                  <a:lumMod val="65000"/>
-                </a:schemeClr>
-              </a:solidFill>
-              <a:latin typeface="Courier New" panose="02070309020205020404" pitchFamily="49" charset="0"/>
-              <a:cs typeface="Courier New" panose="02070309020205020404" pitchFamily="49" charset="0"/>
-            </a:endParaRPr>
-          </a:p>
-          <a:p>
-            <a:r>
-              <a:rPr lang="en-US" sz="2800" b="1" dirty="0">
-                <a:solidFill>
-                  <a:schemeClr val="bg1">
-                    <a:lumMod val="65000"/>
-                  </a:schemeClr>
-                </a:solidFill>
-                <a:latin typeface="Courier New" panose="02070309020205020404" pitchFamily="49" charset="0"/>
-                <a:cs typeface="Courier New" panose="02070309020205020404" pitchFamily="49" charset="0"/>
-              </a:rPr>
-              <a:t>}</a:t>
-            </a:r>
-            <a:endParaRPr lang="ru-RU" sz="2800" b="1" dirty="0">
-              <a:solidFill>
-                <a:schemeClr val="bg1">
-                  <a:lumMod val="65000"/>
-                </a:schemeClr>
-              </a:solidFill>
-              <a:latin typeface="Courier New" panose="02070309020205020404" pitchFamily="49" charset="0"/>
-              <a:cs typeface="Courier New" panose="02070309020205020404" pitchFamily="49" charset="0"/>
-            </a:endParaRPr>
-          </a:p>
-        </p:txBody>
-      </p:sp>
-      <p:sp>
-        <p:nvSpPr>
-          <p:cNvPr id="7" name="TextBox 6"/>
-          <p:cNvSpPr txBox="1"/>
-          <p:nvPr/>
-        </p:nvSpPr>
-        <p:spPr>
-          <a:xfrm>
-            <a:off x="3935761" y="1628800"/>
-            <a:ext cx="184731" cy="369332"/>
-          </a:xfrm>
-          <a:prstGeom prst="rect">
-            <a:avLst/>
-          </a:prstGeom>
-          <a:noFill/>
-        </p:spPr>
-        <p:txBody>
-          <a:bodyPr wrap="none" rtlCol="0">
-            <a:spAutoFit/>
-          </a:bodyPr>
-          <a:lstStyle/>
-          <a:p>
-            <a:endParaRPr lang="ru-RU" dirty="0"/>
+          <a:bodyPr rtlCol="0" anchor="ctr"/>
+          <a:lstStyle/>
+          <a:p>
+            <a:pPr algn="ctr"/>
+            <a:r>
+              <a:rPr lang="ru-RU" sz="6000" b="1" dirty="0">
+                <a:solidFill>
+                  <a:srgbClr val="FFC000"/>
+                </a:solidFill>
+              </a:rPr>
+              <a:t>Домашнее задание </a:t>
+            </a:r>
+          </a:p>
+          <a:p>
+            <a:pPr algn="ctr"/>
+            <a:r>
+              <a:rPr lang="ru-RU" sz="6000" b="1" dirty="0"/>
+              <a:t>/сделать</a:t>
+            </a:r>
+            <a:endParaRPr lang="uk-UA" sz="6000" b="1" dirty="0"/>
           </a:p>
         </p:txBody>
       </p:sp>
     </p:spTree>
     <p:extLst>
       <p:ext uri="{BB962C8B-B14F-4D97-AF65-F5344CB8AC3E}">
-        <p14:creationId xmlns:p14="http://schemas.microsoft.com/office/powerpoint/2010/main" val="1448568263"/>
+        <p14:creationId xmlns:p14="http://schemas.microsoft.com/office/powerpoint/2010/main" val="812048618"/>
       </p:ext>
     </p:extLst>
   </p:cSld>
@@ -14740,364 +14418,6 @@
       </p:grpSpPr>
       <p:sp>
         <p:nvSpPr>
-          <p:cNvPr id="5" name="Прямоугольник 4"/>
-          <p:cNvSpPr/>
-          <p:nvPr/>
-        </p:nvSpPr>
-        <p:spPr>
-          <a:xfrm>
-            <a:off x="0" y="0"/>
-            <a:ext cx="12192000" cy="6858000"/>
-          </a:xfrm>
-          <a:prstGeom prst="rect">
-            <a:avLst/>
-          </a:prstGeom>
-          <a:solidFill>
-            <a:srgbClr val="002060"/>
-          </a:solidFill>
-        </p:spPr>
-        <p:style>
-          <a:lnRef idx="2">
-            <a:schemeClr val="accent1">
-              <a:shade val="50000"/>
-            </a:schemeClr>
-          </a:lnRef>
-          <a:fillRef idx="1">
-            <a:schemeClr val="accent1"/>
-          </a:fillRef>
-          <a:effectRef idx="0">
-            <a:schemeClr val="accent1"/>
-          </a:effectRef>
-          <a:fontRef idx="minor">
-            <a:schemeClr val="lt1"/>
-          </a:fontRef>
-        </p:style>
-        <p:txBody>
-          <a:bodyPr rtlCol="0" anchor="ctr"/>
-          <a:lstStyle/>
-          <a:p>
-            <a:pPr algn="ctr"/>
-            <a:r>
-              <a:rPr lang="ru-RU" sz="6000" b="1" dirty="0"/>
-              <a:t>К следующему занятию будет полезно почитать о…</a:t>
-            </a:r>
-            <a:endParaRPr lang="uk-UA" sz="6000" b="1" dirty="0"/>
-          </a:p>
-        </p:txBody>
-      </p:sp>
-    </p:spTree>
-    <p:extLst>
-      <p:ext uri="{BB962C8B-B14F-4D97-AF65-F5344CB8AC3E}">
-        <p14:creationId xmlns:p14="http://schemas.microsoft.com/office/powerpoint/2010/main" val="388518476"/>
-      </p:ext>
-    </p:extLst>
-  </p:cSld>
-  <p:clrMapOvr>
-    <a:masterClrMapping/>
-  </p:clrMapOvr>
-</p:sld>
-</file>
-
-<file path=ppt/slides/slide47.xml><?xml version="1.0" encoding="utf-8"?>
-<p:sld xmlns:a="http://schemas.openxmlformats.org/drawingml/2006/main" xmlns:r="http://schemas.openxmlformats.org/officeDocument/2006/relationships" xmlns:p="http://schemas.openxmlformats.org/presentationml/2006/main">
-  <p:cSld>
-    <p:spTree>
-      <p:nvGrpSpPr>
-        <p:cNvPr id="1" name=""/>
-        <p:cNvGrpSpPr/>
-        <p:nvPr/>
-      </p:nvGrpSpPr>
-      <p:grpSpPr>
-        <a:xfrm>
-          <a:off x="0" y="0"/>
-          <a:ext cx="0" cy="0"/>
-          <a:chOff x="0" y="0"/>
-          <a:chExt cx="0" cy="0"/>
-        </a:xfrm>
-      </p:grpSpPr>
-      <p:sp>
-        <p:nvSpPr>
-          <p:cNvPr id="3" name="TextBox 2"/>
-          <p:cNvSpPr txBox="1"/>
-          <p:nvPr/>
-        </p:nvSpPr>
-        <p:spPr>
-          <a:xfrm>
-            <a:off x="695400" y="1628800"/>
-            <a:ext cx="11161240" cy="4401205"/>
-          </a:xfrm>
-          <a:prstGeom prst="rect">
-            <a:avLst/>
-          </a:prstGeom>
-          <a:noFill/>
-        </p:spPr>
-        <p:txBody>
-          <a:bodyPr wrap="square" rtlCol="0">
-            <a:spAutoFit/>
-          </a:bodyPr>
-          <a:lstStyle/>
-          <a:p>
-            <a:pPr marL="514350" indent="-514350">
-              <a:buAutoNum type="arabicPeriod"/>
-            </a:pPr>
-            <a:r>
-              <a:rPr lang="ru-RU" sz="4000" dirty="0"/>
-              <a:t>Объект</a:t>
-            </a:r>
-            <a:r>
-              <a:rPr lang="ru-RU" sz="4000" b="1" dirty="0"/>
-              <a:t> </a:t>
-            </a:r>
-            <a:r>
-              <a:rPr lang="en-US" sz="4000" b="1" dirty="0">
-                <a:solidFill>
-                  <a:srgbClr val="0070C0"/>
-                </a:solidFill>
-              </a:rPr>
-              <a:t>Promise</a:t>
-            </a:r>
-            <a:r>
-              <a:rPr lang="ru-RU" sz="4000" dirty="0"/>
-              <a:t>;</a:t>
-            </a:r>
-            <a:br>
-              <a:rPr lang="ru-RU" sz="4000" dirty="0"/>
-            </a:br>
-            <a:endParaRPr lang="ru-RU" sz="4000" dirty="0"/>
-          </a:p>
-          <a:p>
-            <a:pPr marL="514350" indent="-514350">
-              <a:buAutoNum type="arabicPeriod"/>
-            </a:pPr>
-            <a:r>
-              <a:rPr lang="ru-RU" sz="4000" dirty="0"/>
-              <a:t>Оператор</a:t>
-            </a:r>
-            <a:r>
-              <a:rPr lang="ru-RU" sz="4000" b="1" dirty="0"/>
-              <a:t> </a:t>
-            </a:r>
-            <a:r>
-              <a:rPr lang="en-US" sz="4000" b="1" dirty="0" err="1">
-                <a:solidFill>
-                  <a:schemeClr val="accent6">
-                    <a:lumMod val="75000"/>
-                  </a:schemeClr>
-                </a:solidFill>
-              </a:rPr>
-              <a:t>async</a:t>
-            </a:r>
-            <a:r>
-              <a:rPr lang="en-US" sz="4000" dirty="0"/>
-              <a:t>;</a:t>
-            </a:r>
-            <a:br>
-              <a:rPr lang="ru-RU" sz="4000" dirty="0"/>
-            </a:br>
-            <a:endParaRPr lang="ru-RU" sz="4000" dirty="0"/>
-          </a:p>
-          <a:p>
-            <a:pPr marL="514350" indent="-514350">
-              <a:buAutoNum type="arabicPeriod"/>
-            </a:pPr>
-            <a:r>
-              <a:rPr lang="ru-RU" sz="4000" dirty="0"/>
-              <a:t>Оператор </a:t>
-            </a:r>
-            <a:r>
-              <a:rPr lang="en-US" sz="4000" b="1" dirty="0">
-                <a:solidFill>
-                  <a:srgbClr val="7030A0"/>
-                </a:solidFill>
-              </a:rPr>
-              <a:t>await</a:t>
-            </a:r>
-            <a:r>
-              <a:rPr lang="ru-RU" sz="4000" dirty="0"/>
-              <a:t>;</a:t>
-            </a:r>
-            <a:endParaRPr lang="en-US" sz="4000" dirty="0"/>
-          </a:p>
-          <a:p>
-            <a:pPr marL="514350" indent="-514350">
-              <a:buAutoNum type="arabicPeriod"/>
-            </a:pPr>
-            <a:endParaRPr lang="en-US" sz="4000" dirty="0"/>
-          </a:p>
-          <a:p>
-            <a:pPr marL="514350" indent="-514350">
-              <a:buAutoNum type="arabicPeriod"/>
-            </a:pPr>
-            <a:r>
-              <a:rPr lang="ru-RU" sz="4000" dirty="0"/>
-              <a:t>Установите (если еще не установили) </a:t>
-            </a:r>
-            <a:r>
-              <a:rPr lang="en-US" sz="4000" b="1" dirty="0">
-                <a:solidFill>
-                  <a:srgbClr val="00B050"/>
-                </a:solidFill>
-              </a:rPr>
-              <a:t>Node.JS</a:t>
-            </a:r>
-            <a:endParaRPr lang="ru-RU" sz="4000" b="1" dirty="0">
-              <a:solidFill>
-                <a:srgbClr val="00B050"/>
-              </a:solidFill>
-            </a:endParaRPr>
-          </a:p>
-        </p:txBody>
-      </p:sp>
-      <p:sp>
-        <p:nvSpPr>
-          <p:cNvPr id="5" name="TextBox 4"/>
-          <p:cNvSpPr txBox="1"/>
-          <p:nvPr/>
-        </p:nvSpPr>
-        <p:spPr>
-          <a:xfrm>
-            <a:off x="-1" y="427311"/>
-            <a:ext cx="12192001" cy="769441"/>
-          </a:xfrm>
-          <a:prstGeom prst="rect">
-            <a:avLst/>
-          </a:prstGeom>
-          <a:noFill/>
-        </p:spPr>
-        <p:txBody>
-          <a:bodyPr wrap="square" rtlCol="0">
-            <a:spAutoFit/>
-          </a:bodyPr>
-          <a:lstStyle/>
-          <a:p>
-            <a:pPr algn="ctr"/>
-            <a:r>
-              <a:rPr lang="ru-RU" sz="4400" b="1" dirty="0"/>
-              <a:t>К следующему занятию…</a:t>
-            </a:r>
-          </a:p>
-        </p:txBody>
-      </p:sp>
-    </p:spTree>
-    <p:extLst>
-      <p:ext uri="{BB962C8B-B14F-4D97-AF65-F5344CB8AC3E}">
-        <p14:creationId xmlns:p14="http://schemas.microsoft.com/office/powerpoint/2010/main" val="3111026985"/>
-      </p:ext>
-    </p:extLst>
-  </p:cSld>
-  <p:clrMapOvr>
-    <a:masterClrMapping/>
-  </p:clrMapOvr>
-</p:sld>
-</file>
-
-<file path=ppt/slides/slide48.xml><?xml version="1.0" encoding="utf-8"?>
-<p:sld xmlns:a="http://schemas.openxmlformats.org/drawingml/2006/main" xmlns:r="http://schemas.openxmlformats.org/officeDocument/2006/relationships" xmlns:p="http://schemas.openxmlformats.org/presentationml/2006/main">
-  <p:cSld>
-    <p:spTree>
-      <p:nvGrpSpPr>
-        <p:cNvPr id="1" name=""/>
-        <p:cNvGrpSpPr/>
-        <p:nvPr/>
-      </p:nvGrpSpPr>
-      <p:grpSpPr>
-        <a:xfrm>
-          <a:off x="0" y="0"/>
-          <a:ext cx="0" cy="0"/>
-          <a:chOff x="0" y="0"/>
-          <a:chExt cx="0" cy="0"/>
-        </a:xfrm>
-      </p:grpSpPr>
-      <p:sp>
-        <p:nvSpPr>
-          <p:cNvPr id="5" name="Прямоугольник 4"/>
-          <p:cNvSpPr/>
-          <p:nvPr/>
-        </p:nvSpPr>
-        <p:spPr>
-          <a:xfrm>
-            <a:off x="0" y="0"/>
-            <a:ext cx="12192000" cy="6858000"/>
-          </a:xfrm>
-          <a:prstGeom prst="rect">
-            <a:avLst/>
-          </a:prstGeom>
-          <a:solidFill>
-            <a:srgbClr val="002060"/>
-          </a:solidFill>
-        </p:spPr>
-        <p:style>
-          <a:lnRef idx="2">
-            <a:schemeClr val="accent1">
-              <a:shade val="50000"/>
-            </a:schemeClr>
-          </a:lnRef>
-          <a:fillRef idx="1">
-            <a:schemeClr val="accent1"/>
-          </a:fillRef>
-          <a:effectRef idx="0">
-            <a:schemeClr val="accent1"/>
-          </a:effectRef>
-          <a:fontRef idx="minor">
-            <a:schemeClr val="lt1"/>
-          </a:fontRef>
-        </p:style>
-        <p:txBody>
-          <a:bodyPr rtlCol="0" anchor="ctr"/>
-          <a:lstStyle/>
-          <a:p>
-            <a:pPr algn="ctr"/>
-            <a:r>
-              <a:rPr lang="ru-RU" sz="6000" b="1" dirty="0">
-                <a:solidFill>
-                  <a:srgbClr val="FFC000"/>
-                </a:solidFill>
-              </a:rPr>
-              <a:t>Домашнее задание </a:t>
-            </a:r>
-          </a:p>
-          <a:p>
-            <a:pPr algn="ctr"/>
-            <a:r>
-              <a:rPr lang="ru-RU" sz="6000" b="1" dirty="0"/>
-              <a:t>/сделать</a:t>
-            </a:r>
-            <a:endParaRPr lang="uk-UA" sz="6000" b="1" dirty="0"/>
-          </a:p>
-        </p:txBody>
-      </p:sp>
-    </p:spTree>
-    <p:extLst>
-      <p:ext uri="{BB962C8B-B14F-4D97-AF65-F5344CB8AC3E}">
-        <p14:creationId xmlns:p14="http://schemas.microsoft.com/office/powerpoint/2010/main" val="812048618"/>
-      </p:ext>
-    </p:extLst>
-  </p:cSld>
-  <p:clrMapOvr>
-    <a:masterClrMapping/>
-  </p:clrMapOvr>
-</p:sld>
-</file>
-
-<file path=ppt/slides/slide49.xml><?xml version="1.0" encoding="utf-8"?>
-<p:sld xmlns:a="http://schemas.openxmlformats.org/drawingml/2006/main" xmlns:r="http://schemas.openxmlformats.org/officeDocument/2006/relationships" xmlns:p="http://schemas.openxmlformats.org/presentationml/2006/main">
-  <p:cSld>
-    <p:spTree>
-      <p:nvGrpSpPr>
-        <p:cNvPr id="1" name=""/>
-        <p:cNvGrpSpPr/>
-        <p:nvPr/>
-      </p:nvGrpSpPr>
-      <p:grpSpPr>
-        <a:xfrm>
-          <a:off x="0" y="0"/>
-          <a:ext cx="0" cy="0"/>
-          <a:chOff x="0" y="0"/>
-          <a:chExt cx="0" cy="0"/>
-        </a:xfrm>
-      </p:grpSpPr>
-      <p:sp>
-        <p:nvSpPr>
           <p:cNvPr id="20" name="Номер слайда 36"/>
           <p:cNvSpPr txBox="1">
             <a:spLocks/>
@@ -15154,7 +14474,7 @@
               <a:pPr algn="ctr">
                 <a:defRPr/>
               </a:pPr>
-              <a:t>49</a:t>
+              <a:t>46</a:t>
             </a:fld>
             <a:endParaRPr lang="uk-UA" sz="2400" b="1" dirty="0">
               <a:solidFill>
@@ -15240,12 +14560,16 @@
               <a:t>Воспользуйтесь </a:t>
             </a:r>
             <a:r>
-              <a:rPr lang="en-US" sz="2200" dirty="0"/>
+              <a:rPr lang="en-US" sz="2200" b="1" dirty="0"/>
               <a:t>API </a:t>
             </a:r>
             <a:r>
+              <a:rPr lang="ru-RU" sz="2200" b="1" dirty="0"/>
+              <a:t>Национального Банка </a:t>
+            </a:r>
+            <a:r>
               <a:rPr lang="ru-RU" sz="2200" dirty="0"/>
-              <a:t>Национального Банка Украины и выведите в консоль последовательный список </a:t>
+              <a:t>Украины и выведите в консоль последовательный список </a:t>
             </a:r>
             <a:r>
               <a:rPr lang="ru-RU" sz="2200" b="1" dirty="0"/>
@@ -15261,11 +14585,11 @@
             </a:r>
             <a:r>
               <a:rPr lang="en-US" sz="2200" b="1" dirty="0"/>
-              <a:t>28 </a:t>
+              <a:t>31 </a:t>
             </a:r>
             <a:r>
               <a:rPr lang="ru-RU" sz="2200" b="1" dirty="0"/>
-              <a:t>февраля 2021 г. </a:t>
+              <a:t>мая 2021 г. </a:t>
             </a:r>
             <a:r>
               <a:rPr lang="ru-RU" sz="2200" dirty="0"/>
@@ -15301,7 +14625,7 @@
                 <a:latin typeface="Courier New" panose="02070309020205020404" pitchFamily="49" charset="0"/>
                 <a:cs typeface="Courier New" panose="02070309020205020404" pitchFamily="49" charset="0"/>
               </a:rPr>
-              <a:t>01.02.2021 - 24.56 грн.</a:t>
+              <a:t>01.05.2021 - 24.56 грн.</a:t>
             </a:r>
           </a:p>
           <a:p>
@@ -15310,7 +14634,7 @@
                 <a:latin typeface="Courier New" panose="02070309020205020404" pitchFamily="49" charset="0"/>
                 <a:cs typeface="Courier New" panose="02070309020205020404" pitchFamily="49" charset="0"/>
               </a:rPr>
-              <a:t>02.02.2021 - 24.86 грн.</a:t>
+              <a:t>02.05.2021 - 24.86 грн.</a:t>
             </a:r>
           </a:p>
           <a:p>
@@ -15319,7 +14643,7 @@
                 <a:latin typeface="Courier New" panose="02070309020205020404" pitchFamily="49" charset="0"/>
                 <a:cs typeface="Courier New" panose="02070309020205020404" pitchFamily="49" charset="0"/>
               </a:rPr>
-              <a:t>03.02.2021 - 25.01 грн.</a:t>
+              <a:t>03.05.2021 - 25.01 грн.</a:t>
             </a:r>
           </a:p>
           <a:p>
@@ -15337,7 +14661,7 @@
                 <a:latin typeface="Courier New" panose="02070309020205020404" pitchFamily="49" charset="0"/>
                 <a:cs typeface="Courier New" panose="02070309020205020404" pitchFamily="49" charset="0"/>
               </a:rPr>
-              <a:t>27.02.2021 - 24.21 грн.</a:t>
+              <a:t>27.05.2021 - 24.21 грн.</a:t>
             </a:r>
           </a:p>
           <a:p>
@@ -15346,7 +14670,7 @@
                 <a:latin typeface="Courier New" panose="02070309020205020404" pitchFamily="49" charset="0"/>
                 <a:cs typeface="Courier New" panose="02070309020205020404" pitchFamily="49" charset="0"/>
               </a:rPr>
-              <a:t>28.02.2021 - 24.98 грн.</a:t>
+              <a:t>28.05.2021 - 24.98 грн.</a:t>
             </a:r>
           </a:p>
         </p:txBody>
@@ -15377,38 +14701,6 @@
               <a:rPr lang="ru-RU" sz="2000" i="1" dirty="0"/>
               <a:t>По такой структуре:</a:t>
             </a:r>
-          </a:p>
-        </p:txBody>
-      </p:sp>
-      <p:sp>
-        <p:nvSpPr>
-          <p:cNvPr id="5" name="Прямоугольник 4"/>
-          <p:cNvSpPr/>
-          <p:nvPr/>
-        </p:nvSpPr>
-        <p:spPr>
-          <a:xfrm>
-            <a:off x="-96688" y="6031816"/>
-            <a:ext cx="6696744" cy="369332"/>
-          </a:xfrm>
-          <a:prstGeom prst="rect">
-            <a:avLst/>
-          </a:prstGeom>
-        </p:spPr>
-        <p:txBody>
-          <a:bodyPr wrap="square">
-            <a:spAutoFit/>
-          </a:bodyPr>
-          <a:lstStyle/>
-          <a:p>
-            <a:pPr algn="ctr"/>
-            <a:r>
-              <a:rPr lang="ru-RU" b="1" dirty="0">
-                <a:hlinkClick r:id="rId2"/>
-              </a:rPr>
-              <a:t>https://bank.gov.ua/ua/open-data/api-dev</a:t>
-            </a:r>
-            <a:endParaRPr lang="ru-RU" b="1" dirty="0"/>
           </a:p>
         </p:txBody>
       </p:sp>
@@ -15427,7 +14719,7 @@
           <p:nvPr/>
         </p:nvPicPr>
         <p:blipFill>
-          <a:blip r:embed="rId3"/>
+          <a:blip r:embed="rId2"/>
           <a:stretch>
             <a:fillRect/>
           </a:stretch>
@@ -15552,7 +14844,7 @@
 </p:sld>
 </file>
 
-<file path=ppt/slides/slide5.xml><?xml version="1.0" encoding="utf-8"?>
+<file path=ppt/slides/slide47.xml><?xml version="1.0" encoding="utf-8"?>
 <p:sld xmlns:a="http://schemas.openxmlformats.org/drawingml/2006/main" xmlns:r="http://schemas.openxmlformats.org/officeDocument/2006/relationships" xmlns:p="http://schemas.openxmlformats.org/presentationml/2006/main">
   <p:cSld>
     <p:spTree>
@@ -15571,7 +14863,7 @@
       </p:grpSpPr>
       <p:sp>
         <p:nvSpPr>
-          <p:cNvPr id="7" name="Номер слайда 36"/>
+          <p:cNvPr id="20" name="Номер слайда 36"/>
           <p:cNvSpPr txBox="1">
             <a:spLocks/>
           </p:cNvSpPr>
@@ -15579,7 +14871,7 @@
         </p:nvSpPr>
         <p:spPr>
           <a:xfrm>
-            <a:off x="11280576" y="6247187"/>
+            <a:off x="11172564" y="6164170"/>
             <a:ext cx="648072" cy="432048"/>
           </a:xfrm>
           <a:prstGeom prst="roundRect">
@@ -15627,255 +14919,7 @@
               <a:pPr algn="ctr">
                 <a:defRPr/>
               </a:pPr>
-              <a:t>5</a:t>
-            </a:fld>
-            <a:endParaRPr lang="uk-UA" sz="2400" b="1" dirty="0">
-              <a:solidFill>
-                <a:schemeClr val="bg1">
-                  <a:lumMod val="50000"/>
-                </a:schemeClr>
-              </a:solidFill>
-            </a:endParaRPr>
-          </a:p>
-        </p:txBody>
-      </p:sp>
-      <p:sp>
-        <p:nvSpPr>
-          <p:cNvPr id="10" name="Заголовок 4"/>
-          <p:cNvSpPr>
-            <a:spLocks noGrp="1"/>
-          </p:cNvSpPr>
-          <p:nvPr>
-            <p:ph type="title"/>
-          </p:nvPr>
-        </p:nvSpPr>
-        <p:spPr>
-          <a:xfrm>
-            <a:off x="0" y="5805264"/>
-            <a:ext cx="12192000" cy="504056"/>
-          </a:xfrm>
-        </p:spPr>
-        <p:txBody>
-          <a:bodyPr>
-            <a:noAutofit/>
-          </a:bodyPr>
-          <a:lstStyle/>
-          <a:p>
-            <a:r>
-              <a:rPr lang="en-US" sz="3200" b="1" dirty="0">
-                <a:solidFill>
-                  <a:srgbClr val="0070C0"/>
-                </a:solidFill>
-              </a:rPr>
-              <a:t>null</a:t>
-            </a:r>
-            <a:r>
-              <a:rPr lang="en-US" sz="3200" dirty="0"/>
-              <a:t> – </a:t>
-            </a:r>
-            <a:r>
-              <a:rPr lang="ru-RU" sz="3200" dirty="0"/>
-              <a:t>заглушка</a:t>
-            </a:r>
-            <a:r>
-              <a:rPr lang="en-US" sz="3200" dirty="0"/>
-              <a:t> </a:t>
-            </a:r>
-            <a:r>
-              <a:rPr lang="ru-RU" sz="3200" dirty="0"/>
-              <a:t>на случай </a:t>
-            </a:r>
-            <a:r>
-              <a:rPr lang="en-US" sz="3200" dirty="0"/>
-              <a:t>“</a:t>
-            </a:r>
-            <a:r>
-              <a:rPr lang="ru-RU" sz="3200" dirty="0"/>
-              <a:t>когда объекта нет</a:t>
-            </a:r>
-            <a:r>
-              <a:rPr lang="en-US" sz="3200" dirty="0"/>
-              <a:t>”</a:t>
-            </a:r>
-            <a:r>
-              <a:rPr lang="ru-RU" sz="3200" dirty="0"/>
-              <a:t>.</a:t>
-            </a:r>
-            <a:endParaRPr lang="uk-UA" sz="3200" dirty="0"/>
-          </a:p>
-        </p:txBody>
-      </p:sp>
-      <p:pic>
-        <p:nvPicPr>
-          <p:cNvPr id="2" name="Рисунок 1"/>
-          <p:cNvPicPr>
-            <a:picLocks noChangeAspect="1"/>
-          </p:cNvPicPr>
-          <p:nvPr/>
-        </p:nvPicPr>
-        <p:blipFill>
-          <a:blip r:embed="rId2"/>
-          <a:stretch>
-            <a:fillRect/>
-          </a:stretch>
-        </p:blipFill>
-        <p:spPr>
-          <a:xfrm>
-            <a:off x="1847528" y="1052736"/>
-            <a:ext cx="8439150" cy="4429125"/>
-          </a:xfrm>
-          <a:prstGeom prst="rect">
-            <a:avLst/>
-          </a:prstGeom>
-          <a:ln>
-            <a:noFill/>
-          </a:ln>
-          <a:effectLst>
-            <a:outerShdw blurRad="292100" dist="139700" dir="2700000" algn="tl" rotWithShape="0">
-              <a:srgbClr val="333333">
-                <a:alpha val="65000"/>
-              </a:srgbClr>
-            </a:outerShdw>
-          </a:effectLst>
-        </p:spPr>
-      </p:pic>
-      <p:sp>
-        <p:nvSpPr>
-          <p:cNvPr id="8" name="Заголовок 4"/>
-          <p:cNvSpPr txBox="1">
-            <a:spLocks/>
-          </p:cNvSpPr>
-          <p:nvPr/>
-        </p:nvSpPr>
-        <p:spPr>
-          <a:xfrm>
-            <a:off x="0" y="188640"/>
-            <a:ext cx="12192000" cy="615047"/>
-          </a:xfrm>
-          <a:prstGeom prst="rect">
-            <a:avLst/>
-          </a:prstGeom>
-        </p:spPr>
-        <p:txBody>
-          <a:bodyPr vert="horz" lIns="91440" tIns="45720" rIns="91440" bIns="45720" rtlCol="0" anchor="ctr">
-            <a:noAutofit/>
-          </a:bodyPr>
-          <a:lstStyle/>
-          <a:p>
-            <a:pPr algn="ctr">
-              <a:spcBef>
-                <a:spcPct val="0"/>
-              </a:spcBef>
-              <a:defRPr/>
-            </a:pPr>
-            <a:r>
-              <a:rPr lang="ru-RU" sz="3600" b="1" dirty="0">
-                <a:latin typeface="+mj-lt"/>
-                <a:ea typeface="+mj-ea"/>
-                <a:cs typeface="+mj-cs"/>
-              </a:rPr>
-              <a:t>Объекты в </a:t>
-            </a:r>
-            <a:r>
-              <a:rPr lang="en-US" sz="3600" b="1" dirty="0">
-                <a:latin typeface="+mj-lt"/>
-                <a:ea typeface="+mj-ea"/>
-                <a:cs typeface="+mj-cs"/>
-              </a:rPr>
-              <a:t>JavaScript</a:t>
-            </a:r>
-            <a:endParaRPr lang="uk-UA" sz="3600" b="1" dirty="0">
-              <a:latin typeface="+mj-lt"/>
-              <a:ea typeface="+mj-ea"/>
-              <a:cs typeface="+mj-cs"/>
-            </a:endParaRPr>
-          </a:p>
-        </p:txBody>
-      </p:sp>
-    </p:spTree>
-  </p:cSld>
-  <p:clrMapOvr>
-    <a:masterClrMapping/>
-  </p:clrMapOvr>
-</p:sld>
-</file>
-
-<file path=ppt/slides/slide50.xml><?xml version="1.0" encoding="utf-8"?>
-<p:sld xmlns:a="http://schemas.openxmlformats.org/drawingml/2006/main" xmlns:r="http://schemas.openxmlformats.org/officeDocument/2006/relationships" xmlns:p="http://schemas.openxmlformats.org/presentationml/2006/main">
-  <p:cSld>
-    <p:spTree>
-      <p:nvGrpSpPr>
-        <p:cNvPr id="1" name=""/>
-        <p:cNvGrpSpPr/>
-        <p:nvPr/>
-      </p:nvGrpSpPr>
-      <p:grpSpPr>
-        <a:xfrm>
-          <a:off x="0" y="0"/>
-          <a:ext cx="0" cy="0"/>
-          <a:chOff x="0" y="0"/>
-          <a:chExt cx="0" cy="0"/>
-        </a:xfrm>
-      </p:grpSpPr>
-      <p:sp>
-        <p:nvSpPr>
-          <p:cNvPr id="20" name="Номер слайда 36"/>
-          <p:cNvSpPr txBox="1">
-            <a:spLocks/>
-          </p:cNvSpPr>
-          <p:nvPr/>
-        </p:nvSpPr>
-        <p:spPr>
-          <a:xfrm>
-            <a:off x="11172564" y="6164170"/>
-            <a:ext cx="648072" cy="432048"/>
-          </a:xfrm>
-          <a:prstGeom prst="roundRect">
-            <a:avLst/>
-          </a:prstGeom>
-          <a:ln w="25400" cap="flat" cmpd="sng" algn="ctr">
-            <a:solidFill>
-              <a:schemeClr val="tx2">
-                <a:lumMod val="60000"/>
-                <a:lumOff val="40000"/>
-              </a:schemeClr>
-            </a:solidFill>
-            <a:prstDash val="solid"/>
-          </a:ln>
-        </p:spPr>
-        <p:style>
-          <a:lnRef idx="2">
-            <a:schemeClr val="accent1"/>
-          </a:lnRef>
-          <a:fillRef idx="1">
-            <a:schemeClr val="lt1"/>
-          </a:fillRef>
-          <a:effectRef idx="0">
-            <a:schemeClr val="accent1"/>
-          </a:effectRef>
-          <a:fontRef idx="minor">
-            <a:schemeClr val="dk1"/>
-          </a:fontRef>
-        </p:style>
-        <p:txBody>
-          <a:bodyPr vert="horz" lIns="91440" tIns="45720" rIns="91440" bIns="45720" rtlCol="0" anchor="ctr"/>
-          <a:lstStyle/>
-          <a:p>
-            <a:pPr algn="ctr">
-              <a:defRPr/>
-            </a:pPr>
-            <a:fld id="{6389AA22-90B4-448C-8B6B-C699140D38B9}" type="slidenum">
-              <a:rPr lang="uk-UA" sz="2400" b="1">
-                <a:solidFill>
-                  <a:schemeClr val="bg1">
-                    <a:lumMod val="50000"/>
-                  </a:schemeClr>
-                </a:solidFill>
-              </a:rPr>
-              <a:pPr algn="ctr">
-                <a:defRPr/>
-              </a:pPr>
-              <a:t>50</a:t>
+              <a:t>47</a:t>
             </a:fld>
             <a:endParaRPr lang="uk-UA" sz="2400" b="1" dirty="0">
               <a:solidFill>
@@ -16463,6 +15507,254 @@
         <p14:creationId xmlns:p14="http://schemas.microsoft.com/office/powerpoint/2010/main" val="4023351221"/>
       </p:ext>
     </p:extLst>
+  </p:cSld>
+  <p:clrMapOvr>
+    <a:masterClrMapping/>
+  </p:clrMapOvr>
+</p:sld>
+</file>
+
+<file path=ppt/slides/slide5.xml><?xml version="1.0" encoding="utf-8"?>
+<p:sld xmlns:a="http://schemas.openxmlformats.org/drawingml/2006/main" xmlns:r="http://schemas.openxmlformats.org/officeDocument/2006/relationships" xmlns:p="http://schemas.openxmlformats.org/presentationml/2006/main">
+  <p:cSld>
+    <p:spTree>
+      <p:nvGrpSpPr>
+        <p:cNvPr id="1" name=""/>
+        <p:cNvGrpSpPr/>
+        <p:nvPr/>
+      </p:nvGrpSpPr>
+      <p:grpSpPr>
+        <a:xfrm>
+          <a:off x="0" y="0"/>
+          <a:ext cx="0" cy="0"/>
+          <a:chOff x="0" y="0"/>
+          <a:chExt cx="0" cy="0"/>
+        </a:xfrm>
+      </p:grpSpPr>
+      <p:sp>
+        <p:nvSpPr>
+          <p:cNvPr id="7" name="Номер слайда 36"/>
+          <p:cNvSpPr txBox="1">
+            <a:spLocks/>
+          </p:cNvSpPr>
+          <p:nvPr/>
+        </p:nvSpPr>
+        <p:spPr>
+          <a:xfrm>
+            <a:off x="11280576" y="6247187"/>
+            <a:ext cx="648072" cy="432048"/>
+          </a:xfrm>
+          <a:prstGeom prst="roundRect">
+            <a:avLst/>
+          </a:prstGeom>
+          <a:ln w="25400" cap="flat" cmpd="sng" algn="ctr">
+            <a:solidFill>
+              <a:schemeClr val="tx2">
+                <a:lumMod val="60000"/>
+                <a:lumOff val="40000"/>
+              </a:schemeClr>
+            </a:solidFill>
+            <a:prstDash val="solid"/>
+          </a:ln>
+        </p:spPr>
+        <p:style>
+          <a:lnRef idx="2">
+            <a:schemeClr val="accent1"/>
+          </a:lnRef>
+          <a:fillRef idx="1">
+            <a:schemeClr val="lt1"/>
+          </a:fillRef>
+          <a:effectRef idx="0">
+            <a:schemeClr val="accent1"/>
+          </a:effectRef>
+          <a:fontRef idx="minor">
+            <a:schemeClr val="dk1"/>
+          </a:fontRef>
+        </p:style>
+        <p:txBody>
+          <a:bodyPr vert="horz" lIns="91440" tIns="45720" rIns="91440" bIns="45720" rtlCol="0" anchor="ctr"/>
+          <a:lstStyle/>
+          <a:p>
+            <a:pPr algn="ctr">
+              <a:defRPr/>
+            </a:pPr>
+            <a:fld id="{6389AA22-90B4-448C-8B6B-C699140D38B9}" type="slidenum">
+              <a:rPr lang="uk-UA" sz="2400" b="1">
+                <a:solidFill>
+                  <a:schemeClr val="bg1">
+                    <a:lumMod val="50000"/>
+                  </a:schemeClr>
+                </a:solidFill>
+              </a:rPr>
+              <a:pPr algn="ctr">
+                <a:defRPr/>
+              </a:pPr>
+              <a:t>5</a:t>
+            </a:fld>
+            <a:endParaRPr lang="uk-UA" sz="2400" b="1" dirty="0">
+              <a:solidFill>
+                <a:schemeClr val="bg1">
+                  <a:lumMod val="50000"/>
+                </a:schemeClr>
+              </a:solidFill>
+            </a:endParaRPr>
+          </a:p>
+        </p:txBody>
+      </p:sp>
+      <p:sp>
+        <p:nvSpPr>
+          <p:cNvPr id="10" name="Заголовок 4"/>
+          <p:cNvSpPr>
+            <a:spLocks noGrp="1"/>
+          </p:cNvSpPr>
+          <p:nvPr>
+            <p:ph type="title"/>
+          </p:nvPr>
+        </p:nvSpPr>
+        <p:spPr>
+          <a:xfrm>
+            <a:off x="0" y="5805264"/>
+            <a:ext cx="12192000" cy="504056"/>
+          </a:xfrm>
+        </p:spPr>
+        <p:txBody>
+          <a:bodyPr>
+            <a:noAutofit/>
+          </a:bodyPr>
+          <a:lstStyle/>
+          <a:p>
+            <a:r>
+              <a:rPr lang="en-US" sz="3200" b="1" dirty="0">
+                <a:solidFill>
+                  <a:srgbClr val="0070C0"/>
+                </a:solidFill>
+              </a:rPr>
+              <a:t>null</a:t>
+            </a:r>
+            <a:r>
+              <a:rPr lang="en-US" sz="3200" dirty="0"/>
+              <a:t> – </a:t>
+            </a:r>
+            <a:r>
+              <a:rPr lang="ru-RU" sz="3200" dirty="0"/>
+              <a:t>заглушка</a:t>
+            </a:r>
+            <a:r>
+              <a:rPr lang="en-US" sz="3200" dirty="0"/>
+              <a:t> </a:t>
+            </a:r>
+            <a:r>
+              <a:rPr lang="ru-RU" sz="3200" dirty="0"/>
+              <a:t>на случай </a:t>
+            </a:r>
+            <a:r>
+              <a:rPr lang="en-US" sz="3200" dirty="0"/>
+              <a:t>“</a:t>
+            </a:r>
+            <a:r>
+              <a:rPr lang="ru-RU" sz="3200" dirty="0"/>
+              <a:t>когда объекта нет</a:t>
+            </a:r>
+            <a:r>
+              <a:rPr lang="en-US" sz="3200" dirty="0"/>
+              <a:t>”</a:t>
+            </a:r>
+            <a:r>
+              <a:rPr lang="ru-RU" sz="3200" dirty="0"/>
+              <a:t>.</a:t>
+            </a:r>
+            <a:endParaRPr lang="uk-UA" sz="3200" dirty="0"/>
+          </a:p>
+        </p:txBody>
+      </p:sp>
+      <p:pic>
+        <p:nvPicPr>
+          <p:cNvPr id="2" name="Рисунок 1"/>
+          <p:cNvPicPr>
+            <a:picLocks noChangeAspect="1"/>
+          </p:cNvPicPr>
+          <p:nvPr/>
+        </p:nvPicPr>
+        <p:blipFill>
+          <a:blip r:embed="rId2"/>
+          <a:stretch>
+            <a:fillRect/>
+          </a:stretch>
+        </p:blipFill>
+        <p:spPr>
+          <a:xfrm>
+            <a:off x="1847528" y="1052736"/>
+            <a:ext cx="8439150" cy="4429125"/>
+          </a:xfrm>
+          <a:prstGeom prst="rect">
+            <a:avLst/>
+          </a:prstGeom>
+          <a:ln>
+            <a:noFill/>
+          </a:ln>
+          <a:effectLst>
+            <a:outerShdw blurRad="292100" dist="139700" dir="2700000" algn="tl" rotWithShape="0">
+              <a:srgbClr val="333333">
+                <a:alpha val="65000"/>
+              </a:srgbClr>
+            </a:outerShdw>
+          </a:effectLst>
+        </p:spPr>
+      </p:pic>
+      <p:sp>
+        <p:nvSpPr>
+          <p:cNvPr id="8" name="Заголовок 4"/>
+          <p:cNvSpPr txBox="1">
+            <a:spLocks/>
+          </p:cNvSpPr>
+          <p:nvPr/>
+        </p:nvSpPr>
+        <p:spPr>
+          <a:xfrm>
+            <a:off x="0" y="188640"/>
+            <a:ext cx="12192000" cy="615047"/>
+          </a:xfrm>
+          <a:prstGeom prst="rect">
+            <a:avLst/>
+          </a:prstGeom>
+        </p:spPr>
+        <p:txBody>
+          <a:bodyPr vert="horz" lIns="91440" tIns="45720" rIns="91440" bIns="45720" rtlCol="0" anchor="ctr">
+            <a:noAutofit/>
+          </a:bodyPr>
+          <a:lstStyle/>
+          <a:p>
+            <a:pPr algn="ctr">
+              <a:spcBef>
+                <a:spcPct val="0"/>
+              </a:spcBef>
+              <a:defRPr/>
+            </a:pPr>
+            <a:r>
+              <a:rPr lang="ru-RU" sz="3600" b="1" dirty="0">
+                <a:latin typeface="+mj-lt"/>
+                <a:ea typeface="+mj-ea"/>
+                <a:cs typeface="+mj-cs"/>
+              </a:rPr>
+              <a:t>Объекты в </a:t>
+            </a:r>
+            <a:r>
+              <a:rPr lang="en-US" sz="3600" b="1" dirty="0">
+                <a:latin typeface="+mj-lt"/>
+                <a:ea typeface="+mj-ea"/>
+                <a:cs typeface="+mj-cs"/>
+              </a:rPr>
+              <a:t>JavaScript</a:t>
+            </a:r>
+            <a:endParaRPr lang="uk-UA" sz="3600" b="1" dirty="0">
+              <a:latin typeface="+mj-lt"/>
+              <a:ea typeface="+mj-ea"/>
+              <a:cs typeface="+mj-cs"/>
+            </a:endParaRPr>
+          </a:p>
+        </p:txBody>
+      </p:sp>
+    </p:spTree>
   </p:cSld>
   <p:clrMapOvr>
     <a:masterClrMapping/>
